--- a/cavity-cavity interaction.pptx
+++ b/cavity-cavity interaction.pptx
@@ -6,6 +6,9 @@
   </p:sldMasterIdLst>
   <p:sldIdLst>
     <p:sldId id="256" r:id="rId2"/>
+    <p:sldId id="257" r:id="rId3"/>
+    <p:sldId id="258" r:id="rId4"/>
+    <p:sldId id="259" r:id="rId5"/>
   </p:sldIdLst>
   <p:sldSz cx="12192000" cy="6858000"/>
   <p:notesSz cx="6858000" cy="9144000"/>
@@ -104,6 +107,11 @@
       </a:defRPr>
     </a:lvl9pPr>
   </p:defaultTextStyle>
+  <p:extLst>
+    <p:ext uri="{EFAFB233-063F-42B5-8137-9DF3F51BA10A}">
+      <p15:sldGuideLst xmlns:p15="http://schemas.microsoft.com/office/powerpoint/2012/main"/>
+    </p:ext>
+  </p:extLst>
 </p:presentation>
 </file>
 
@@ -3342,7 +3350,10 @@
           <a:bodyPr/>
           <a:lstStyle/>
           <a:p>
-            <a:endParaRPr lang="en-US"/>
+            <a:r>
+              <a:rPr lang="en-US" b="1" dirty="0"/>
+              <a:t>cavity-cavity interaction</a:t>
+            </a:r>
           </a:p>
         </p:txBody>
       </p:sp>
@@ -3375,6 +3386,1892 @@
     <p:extLst>
       <p:ext uri="{BB962C8B-B14F-4D97-AF65-F5344CB8AC3E}">
         <p14:creationId xmlns:p14="http://schemas.microsoft.com/office/powerpoint/2010/main" val="3330406312"/>
+      </p:ext>
+    </p:extLst>
+  </p:cSld>
+  <p:clrMapOvr>
+    <a:masterClrMapping/>
+  </p:clrMapOvr>
+</p:sld>
+</file>
+
+<file path=ppt/slides/slide2.xml><?xml version="1.0" encoding="utf-8"?>
+<p:sld xmlns:a="http://schemas.openxmlformats.org/drawingml/2006/main" xmlns:r="http://schemas.openxmlformats.org/officeDocument/2006/relationships" xmlns:p="http://schemas.openxmlformats.org/presentationml/2006/main">
+  <p:cSld>
+    <p:spTree>
+      <p:nvGrpSpPr>
+        <p:cNvPr id="1" name=""/>
+        <p:cNvGrpSpPr/>
+        <p:nvPr/>
+      </p:nvGrpSpPr>
+      <p:grpSpPr>
+        <a:xfrm>
+          <a:off x="0" y="0"/>
+          <a:ext cx="0" cy="0"/>
+          <a:chOff x="0" y="0"/>
+          <a:chExt cx="0" cy="0"/>
+        </a:xfrm>
+      </p:grpSpPr>
+      <p:sp>
+        <p:nvSpPr>
+          <p:cNvPr id="7" name="Cube 6">
+            <a:extLst>
+              <a:ext uri="{FF2B5EF4-FFF2-40B4-BE49-F238E27FC236}">
+                <a16:creationId xmlns:a16="http://schemas.microsoft.com/office/drawing/2014/main" id="{72F40F8F-6973-4E48-B6C6-F185FE50A622}"/>
+              </a:ext>
+            </a:extLst>
+          </p:cNvPr>
+          <p:cNvSpPr/>
+          <p:nvPr/>
+        </p:nvSpPr>
+        <p:spPr>
+          <a:xfrm>
+            <a:off x="2169570" y="1737927"/>
+            <a:ext cx="5418246" cy="1317645"/>
+          </a:xfrm>
+          <a:prstGeom prst="cube">
+            <a:avLst/>
+          </a:prstGeom>
+        </p:spPr>
+        <p:style>
+          <a:lnRef idx="2">
+            <a:schemeClr val="dk1"/>
+          </a:lnRef>
+          <a:fillRef idx="1">
+            <a:schemeClr val="lt1"/>
+          </a:fillRef>
+          <a:effectRef idx="0">
+            <a:schemeClr val="dk1"/>
+          </a:effectRef>
+          <a:fontRef idx="minor">
+            <a:schemeClr val="dk1"/>
+          </a:fontRef>
+        </p:style>
+        <p:txBody>
+          <a:bodyPr rtlCol="0" anchor="ctr"/>
+          <a:lstStyle/>
+          <a:p>
+            <a:pPr algn="ctr"/>
+            <a:endParaRPr lang="en-US"/>
+          </a:p>
+        </p:txBody>
+      </p:sp>
+      <p:sp>
+        <p:nvSpPr>
+          <p:cNvPr id="8" name="Flowchart: Direct Access Storage 7">
+            <a:extLst>
+              <a:ext uri="{FF2B5EF4-FFF2-40B4-BE49-F238E27FC236}">
+                <a16:creationId xmlns:a16="http://schemas.microsoft.com/office/drawing/2014/main" id="{F05956E2-9056-40B8-A4C5-F98531033AB3}"/>
+              </a:ext>
+            </a:extLst>
+          </p:cNvPr>
+          <p:cNvSpPr/>
+          <p:nvPr/>
+        </p:nvSpPr>
+        <p:spPr>
+          <a:xfrm>
+            <a:off x="4441372" y="1237421"/>
+            <a:ext cx="789451" cy="373429"/>
+          </a:xfrm>
+          <a:prstGeom prst="flowChartMagneticDrum">
+            <a:avLst/>
+          </a:prstGeom>
+          <a:ln w="12700">
+            <a:solidFill>
+              <a:schemeClr val="tx1"/>
+            </a:solidFill>
+          </a:ln>
+        </p:spPr>
+        <p:style>
+          <a:lnRef idx="2">
+            <a:schemeClr val="accent6"/>
+          </a:lnRef>
+          <a:fillRef idx="1">
+            <a:schemeClr val="lt1"/>
+          </a:fillRef>
+          <a:effectRef idx="0">
+            <a:schemeClr val="accent6"/>
+          </a:effectRef>
+          <a:fontRef idx="minor">
+            <a:schemeClr val="dk1"/>
+          </a:fontRef>
+        </p:style>
+        <p:txBody>
+          <a:bodyPr rtlCol="0" anchor="ctr"/>
+          <a:lstStyle/>
+          <a:p>
+            <a:pPr algn="ctr"/>
+            <a:endParaRPr lang="en-US"/>
+          </a:p>
+        </p:txBody>
+      </p:sp>
+      <p:cxnSp>
+        <p:nvCxnSpPr>
+          <p:cNvPr id="10" name="Straight Arrow Connector 9">
+            <a:extLst>
+              <a:ext uri="{FF2B5EF4-FFF2-40B4-BE49-F238E27FC236}">
+                <a16:creationId xmlns:a16="http://schemas.microsoft.com/office/drawing/2014/main" id="{20463F97-3C99-4604-ACD8-697B3B0E3870}"/>
+              </a:ext>
+            </a:extLst>
+          </p:cNvPr>
+          <p:cNvCxnSpPr>
+            <a:cxnSpLocks/>
+          </p:cNvCxnSpPr>
+          <p:nvPr/>
+        </p:nvCxnSpPr>
+        <p:spPr>
+          <a:xfrm flipV="1">
+            <a:off x="1948070" y="2396749"/>
+            <a:ext cx="1198375" cy="170386"/>
+          </a:xfrm>
+          <a:prstGeom prst="straightConnector1">
+            <a:avLst/>
+          </a:prstGeom>
+          <a:ln w="38100">
+            <a:tailEnd type="triangle"/>
+          </a:ln>
+        </p:spPr>
+        <p:style>
+          <a:lnRef idx="3">
+            <a:schemeClr val="accent6"/>
+          </a:lnRef>
+          <a:fillRef idx="0">
+            <a:schemeClr val="accent6"/>
+          </a:fillRef>
+          <a:effectRef idx="2">
+            <a:schemeClr val="accent6"/>
+          </a:effectRef>
+          <a:fontRef idx="minor">
+            <a:schemeClr val="tx1"/>
+          </a:fontRef>
+        </p:style>
+      </p:cxnSp>
+      <p:cxnSp>
+        <p:nvCxnSpPr>
+          <p:cNvPr id="11" name="Straight Arrow Connector 10">
+            <a:extLst>
+              <a:ext uri="{FF2B5EF4-FFF2-40B4-BE49-F238E27FC236}">
+                <a16:creationId xmlns:a16="http://schemas.microsoft.com/office/drawing/2014/main" id="{EEB7609D-5B06-46A7-AAD3-83140E4E93D8}"/>
+              </a:ext>
+            </a:extLst>
+          </p:cNvPr>
+          <p:cNvCxnSpPr>
+            <a:cxnSpLocks/>
+          </p:cNvCxnSpPr>
+          <p:nvPr/>
+        </p:nvCxnSpPr>
+        <p:spPr>
+          <a:xfrm>
+            <a:off x="1948070" y="2567135"/>
+            <a:ext cx="829207" cy="118322"/>
+          </a:xfrm>
+          <a:prstGeom prst="straightConnector1">
+            <a:avLst/>
+          </a:prstGeom>
+          <a:ln w="38100">
+            <a:solidFill>
+              <a:srgbClr val="FF0000"/>
+            </a:solidFill>
+            <a:tailEnd type="triangle"/>
+          </a:ln>
+        </p:spPr>
+        <p:style>
+          <a:lnRef idx="3">
+            <a:schemeClr val="accent6"/>
+          </a:lnRef>
+          <a:fillRef idx="0">
+            <a:schemeClr val="accent6"/>
+          </a:fillRef>
+          <a:effectRef idx="2">
+            <a:schemeClr val="accent6"/>
+          </a:effectRef>
+          <a:fontRef idx="minor">
+            <a:schemeClr val="tx1"/>
+          </a:fontRef>
+        </p:style>
+      </p:cxnSp>
+      <p:cxnSp>
+        <p:nvCxnSpPr>
+          <p:cNvPr id="13" name="Straight Arrow Connector 12">
+            <a:extLst>
+              <a:ext uri="{FF2B5EF4-FFF2-40B4-BE49-F238E27FC236}">
+                <a16:creationId xmlns:a16="http://schemas.microsoft.com/office/drawing/2014/main" id="{22AE233B-3012-47EC-B952-06BDEA85A961}"/>
+              </a:ext>
+            </a:extLst>
+          </p:cNvPr>
+          <p:cNvCxnSpPr>
+            <a:cxnSpLocks/>
+          </p:cNvCxnSpPr>
+          <p:nvPr/>
+        </p:nvCxnSpPr>
+        <p:spPr>
+          <a:xfrm flipH="1" flipV="1">
+            <a:off x="6253134" y="2396749"/>
+            <a:ext cx="1083838" cy="85193"/>
+          </a:xfrm>
+          <a:prstGeom prst="straightConnector1">
+            <a:avLst/>
+          </a:prstGeom>
+          <a:ln w="38100">
+            <a:tailEnd type="triangle"/>
+          </a:ln>
+        </p:spPr>
+        <p:style>
+          <a:lnRef idx="3">
+            <a:schemeClr val="accent6"/>
+          </a:lnRef>
+          <a:fillRef idx="0">
+            <a:schemeClr val="accent6"/>
+          </a:fillRef>
+          <a:effectRef idx="2">
+            <a:schemeClr val="accent6"/>
+          </a:effectRef>
+          <a:fontRef idx="minor">
+            <a:schemeClr val="tx1"/>
+          </a:fontRef>
+        </p:style>
+      </p:cxnSp>
+      <p:cxnSp>
+        <p:nvCxnSpPr>
+          <p:cNvPr id="14" name="Straight Arrow Connector 13">
+            <a:extLst>
+              <a:ext uri="{FF2B5EF4-FFF2-40B4-BE49-F238E27FC236}">
+                <a16:creationId xmlns:a16="http://schemas.microsoft.com/office/drawing/2014/main" id="{20945134-BEB9-4A6C-B809-DF6E9F13AB80}"/>
+              </a:ext>
+            </a:extLst>
+          </p:cNvPr>
+          <p:cNvCxnSpPr>
+            <a:cxnSpLocks/>
+          </p:cNvCxnSpPr>
+          <p:nvPr/>
+        </p:nvCxnSpPr>
+        <p:spPr>
+          <a:xfrm flipH="1">
+            <a:off x="6576865" y="2496144"/>
+            <a:ext cx="715617" cy="189313"/>
+          </a:xfrm>
+          <a:prstGeom prst="straightConnector1">
+            <a:avLst/>
+          </a:prstGeom>
+          <a:ln w="38100">
+            <a:solidFill>
+              <a:srgbClr val="FF0000"/>
+            </a:solidFill>
+            <a:tailEnd type="triangle"/>
+          </a:ln>
+        </p:spPr>
+        <p:style>
+          <a:lnRef idx="3">
+            <a:schemeClr val="accent6"/>
+          </a:lnRef>
+          <a:fillRef idx="0">
+            <a:schemeClr val="accent6"/>
+          </a:fillRef>
+          <a:effectRef idx="2">
+            <a:schemeClr val="accent6"/>
+          </a:effectRef>
+          <a:fontRef idx="minor">
+            <a:schemeClr val="tx1"/>
+          </a:fontRef>
+        </p:style>
+      </p:cxnSp>
+      <mc:AlternateContent xmlns:mc="http://schemas.openxmlformats.org/markup-compatibility/2006">
+        <mc:Choice xmlns:a14="http://schemas.microsoft.com/office/drawing/2010/main" Requires="a14">
+          <p:sp>
+            <p:nvSpPr>
+              <p:cNvPr id="18" name="TextBox 17">
+                <a:extLst>
+                  <a:ext uri="{FF2B5EF4-FFF2-40B4-BE49-F238E27FC236}">
+                    <a16:creationId xmlns:a16="http://schemas.microsoft.com/office/drawing/2014/main" id="{DE088292-63DA-41D3-ABC5-FBCF76A891B2}"/>
+                  </a:ext>
+                </a:extLst>
+              </p:cNvPr>
+              <p:cNvSpPr txBox="1"/>
+              <p:nvPr/>
+            </p:nvSpPr>
+            <p:spPr>
+              <a:xfrm>
+                <a:off x="3856383" y="764713"/>
+                <a:ext cx="2448234" cy="369332"/>
+              </a:xfrm>
+              <a:prstGeom prst="rect">
+                <a:avLst/>
+              </a:prstGeom>
+              <a:noFill/>
+            </p:spPr>
+            <p:txBody>
+              <a:bodyPr wrap="none" rtlCol="0">
+                <a:spAutoFit/>
+              </a:bodyPr>
+              <a:lstStyle/>
+              <a:p>
+                <a:r>
+                  <a:rPr lang="en-US" b="0" dirty="0"/>
+                  <a:t>eigen frequency </a:t>
+                </a:r>
+                <a14:m>
+                  <m:oMath xmlns:m="http://schemas.openxmlformats.org/officeDocument/2006/math">
+                    <m:r>
+                      <a:rPr lang="en-US" b="0" i="1" smtClean="0">
+                        <a:latin typeface="Cambria Math" panose="02040503050406030204" pitchFamily="18" charset="0"/>
+                      </a:rPr>
+                      <m:t>𝜈</m:t>
+                    </m:r>
+                    <m:r>
+                      <a:rPr lang="en-US" b="0" i="1" smtClean="0">
+                        <a:latin typeface="Cambria Math" panose="02040503050406030204" pitchFamily="18" charset="0"/>
+                      </a:rPr>
+                      <m:t>=</m:t>
+                    </m:r>
+                    <m:sSub>
+                      <m:sSubPr>
+                        <m:ctrlPr>
+                          <a:rPr lang="en-US" b="0" i="1" smtClean="0">
+                            <a:latin typeface="Cambria Math" panose="02040503050406030204" pitchFamily="18" charset="0"/>
+                          </a:rPr>
+                        </m:ctrlPr>
+                      </m:sSubPr>
+                      <m:e>
+                        <m:r>
+                          <a:rPr lang="en-US" b="0" i="1" smtClean="0">
+                            <a:latin typeface="Cambria Math" panose="02040503050406030204" pitchFamily="18" charset="0"/>
+                          </a:rPr>
+                          <m:t>𝜔</m:t>
+                        </m:r>
+                      </m:e>
+                      <m:sub>
+                        <m:r>
+                          <a:rPr lang="en-US" b="0" i="1" smtClean="0">
+                            <a:latin typeface="Cambria Math" panose="02040503050406030204" pitchFamily="18" charset="0"/>
+                          </a:rPr>
+                          <m:t>0</m:t>
+                        </m:r>
+                      </m:sub>
+                    </m:sSub>
+                  </m:oMath>
+                </a14:m>
+                <a:endParaRPr lang="en-US" dirty="0"/>
+              </a:p>
+            </p:txBody>
+          </p:sp>
+        </mc:Choice>
+        <mc:Fallback>
+          <p:sp>
+            <p:nvSpPr>
+              <p:cNvPr id="18" name="TextBox 17">
+                <a:extLst>
+                  <a:ext uri="{FF2B5EF4-FFF2-40B4-BE49-F238E27FC236}">
+                    <a16:creationId xmlns:a16="http://schemas.microsoft.com/office/drawing/2014/main" id="{DE088292-63DA-41D3-ABC5-FBCF76A891B2}"/>
+                  </a:ext>
+                </a:extLst>
+              </p:cNvPr>
+              <p:cNvSpPr txBox="1">
+                <a:spLocks noRot="1" noChangeAspect="1" noMove="1" noResize="1" noEditPoints="1" noAdjustHandles="1" noChangeArrowheads="1" noChangeShapeType="1" noTextEdit="1"/>
+              </p:cNvSpPr>
+              <p:nvPr/>
+            </p:nvSpPr>
+            <p:spPr>
+              <a:xfrm>
+                <a:off x="3856383" y="764713"/>
+                <a:ext cx="2448234" cy="369332"/>
+              </a:xfrm>
+              <a:prstGeom prst="rect">
+                <a:avLst/>
+              </a:prstGeom>
+              <a:blipFill>
+                <a:blip r:embed="rId2"/>
+                <a:stretch>
+                  <a:fillRect l="-2244" t="-8197" b="-24590"/>
+                </a:stretch>
+              </a:blipFill>
+            </p:spPr>
+            <p:txBody>
+              <a:bodyPr/>
+              <a:lstStyle/>
+              <a:p>
+                <a:r>
+                  <a:rPr lang="en-US">
+                    <a:noFill/>
+                  </a:rPr>
+                  <a:t> </a:t>
+                </a:r>
+              </a:p>
+            </p:txBody>
+          </p:sp>
+        </mc:Fallback>
+      </mc:AlternateContent>
+      <p:pic>
+        <p:nvPicPr>
+          <p:cNvPr id="28" name="Picture 27">
+            <a:extLst>
+              <a:ext uri="{FF2B5EF4-FFF2-40B4-BE49-F238E27FC236}">
+                <a16:creationId xmlns:a16="http://schemas.microsoft.com/office/drawing/2014/main" id="{98748215-14F4-4A8D-94B7-EFB47D79CB84}"/>
+              </a:ext>
+            </a:extLst>
+          </p:cNvPr>
+          <p:cNvPicPr>
+            <a:picLocks noChangeAspect="1"/>
+          </p:cNvPicPr>
+          <p:nvPr/>
+        </p:nvPicPr>
+        <p:blipFill>
+          <a:blip r:embed="rId3"/>
+          <a:stretch>
+            <a:fillRect/>
+          </a:stretch>
+        </p:blipFill>
+        <p:spPr>
+          <a:xfrm>
+            <a:off x="1732249" y="3429000"/>
+            <a:ext cx="8433648" cy="2999677"/>
+          </a:xfrm>
+          <a:prstGeom prst="rect">
+            <a:avLst/>
+          </a:prstGeom>
+        </p:spPr>
+      </p:pic>
+    </p:spTree>
+    <p:extLst>
+      <p:ext uri="{BB962C8B-B14F-4D97-AF65-F5344CB8AC3E}">
+        <p14:creationId xmlns:p14="http://schemas.microsoft.com/office/powerpoint/2010/main" val="624443197"/>
+      </p:ext>
+    </p:extLst>
+  </p:cSld>
+  <p:clrMapOvr>
+    <a:masterClrMapping/>
+  </p:clrMapOvr>
+</p:sld>
+</file>
+
+<file path=ppt/slides/slide3.xml><?xml version="1.0" encoding="utf-8"?>
+<p:sld xmlns:a="http://schemas.openxmlformats.org/drawingml/2006/main" xmlns:r="http://schemas.openxmlformats.org/officeDocument/2006/relationships" xmlns:p="http://schemas.openxmlformats.org/presentationml/2006/main">
+  <p:cSld>
+    <p:spTree>
+      <p:nvGrpSpPr>
+        <p:cNvPr id="1" name=""/>
+        <p:cNvGrpSpPr/>
+        <p:nvPr/>
+      </p:nvGrpSpPr>
+      <p:grpSpPr>
+        <a:xfrm>
+          <a:off x="0" y="0"/>
+          <a:ext cx="0" cy="0"/>
+          <a:chOff x="0" y="0"/>
+          <a:chExt cx="0" cy="0"/>
+        </a:xfrm>
+      </p:grpSpPr>
+      <p:sp>
+        <p:nvSpPr>
+          <p:cNvPr id="7" name="Cube 6">
+            <a:extLst>
+              <a:ext uri="{FF2B5EF4-FFF2-40B4-BE49-F238E27FC236}">
+                <a16:creationId xmlns:a16="http://schemas.microsoft.com/office/drawing/2014/main" id="{F058DE76-EE8D-431E-BFA8-13E2D0DE4FB7}"/>
+              </a:ext>
+            </a:extLst>
+          </p:cNvPr>
+          <p:cNvSpPr/>
+          <p:nvPr/>
+        </p:nvSpPr>
+        <p:spPr>
+          <a:xfrm>
+            <a:off x="2754559" y="1146740"/>
+            <a:ext cx="5418246" cy="1317645"/>
+          </a:xfrm>
+          <a:prstGeom prst="cube">
+            <a:avLst/>
+          </a:prstGeom>
+        </p:spPr>
+        <p:style>
+          <a:lnRef idx="2">
+            <a:schemeClr val="dk1"/>
+          </a:lnRef>
+          <a:fillRef idx="1">
+            <a:schemeClr val="lt1"/>
+          </a:fillRef>
+          <a:effectRef idx="0">
+            <a:schemeClr val="dk1"/>
+          </a:effectRef>
+          <a:fontRef idx="minor">
+            <a:schemeClr val="dk1"/>
+          </a:fontRef>
+        </p:style>
+        <p:txBody>
+          <a:bodyPr rtlCol="0" anchor="ctr"/>
+          <a:lstStyle/>
+          <a:p>
+            <a:pPr algn="ctr"/>
+            <a:endParaRPr lang="en-US"/>
+          </a:p>
+        </p:txBody>
+      </p:sp>
+      <p:sp>
+        <p:nvSpPr>
+          <p:cNvPr id="8" name="Flowchart: Direct Access Storage 7">
+            <a:extLst>
+              <a:ext uri="{FF2B5EF4-FFF2-40B4-BE49-F238E27FC236}">
+                <a16:creationId xmlns:a16="http://schemas.microsoft.com/office/drawing/2014/main" id="{02332E5E-FB9E-4CC1-ABE7-95B0AE835676}"/>
+              </a:ext>
+            </a:extLst>
+          </p:cNvPr>
+          <p:cNvSpPr/>
+          <p:nvPr/>
+        </p:nvSpPr>
+        <p:spPr>
+          <a:xfrm>
+            <a:off x="4046646" y="542858"/>
+            <a:ext cx="789451" cy="373429"/>
+          </a:xfrm>
+          <a:prstGeom prst="flowChartMagneticDrum">
+            <a:avLst/>
+          </a:prstGeom>
+          <a:ln w="12700">
+            <a:solidFill>
+              <a:schemeClr val="tx1"/>
+            </a:solidFill>
+          </a:ln>
+        </p:spPr>
+        <p:style>
+          <a:lnRef idx="2">
+            <a:schemeClr val="accent6"/>
+          </a:lnRef>
+          <a:fillRef idx="1">
+            <a:schemeClr val="lt1"/>
+          </a:fillRef>
+          <a:effectRef idx="0">
+            <a:schemeClr val="accent6"/>
+          </a:effectRef>
+          <a:fontRef idx="minor">
+            <a:schemeClr val="dk1"/>
+          </a:fontRef>
+        </p:style>
+        <p:txBody>
+          <a:bodyPr rtlCol="0" anchor="ctr"/>
+          <a:lstStyle/>
+          <a:p>
+            <a:pPr algn="ctr"/>
+            <a:endParaRPr lang="en-US"/>
+          </a:p>
+        </p:txBody>
+      </p:sp>
+      <p:cxnSp>
+        <p:nvCxnSpPr>
+          <p:cNvPr id="9" name="Straight Arrow Connector 8">
+            <a:extLst>
+              <a:ext uri="{FF2B5EF4-FFF2-40B4-BE49-F238E27FC236}">
+                <a16:creationId xmlns:a16="http://schemas.microsoft.com/office/drawing/2014/main" id="{D972052B-2506-4D22-AE1D-BEB67C4975FD}"/>
+              </a:ext>
+            </a:extLst>
+          </p:cNvPr>
+          <p:cNvCxnSpPr>
+            <a:cxnSpLocks/>
+          </p:cNvCxnSpPr>
+          <p:nvPr/>
+        </p:nvCxnSpPr>
+        <p:spPr>
+          <a:xfrm flipV="1">
+            <a:off x="2533059" y="1805562"/>
+            <a:ext cx="1198375" cy="170386"/>
+          </a:xfrm>
+          <a:prstGeom prst="straightConnector1">
+            <a:avLst/>
+          </a:prstGeom>
+          <a:ln w="38100">
+            <a:tailEnd type="triangle"/>
+          </a:ln>
+        </p:spPr>
+        <p:style>
+          <a:lnRef idx="3">
+            <a:schemeClr val="accent6"/>
+          </a:lnRef>
+          <a:fillRef idx="0">
+            <a:schemeClr val="accent6"/>
+          </a:fillRef>
+          <a:effectRef idx="2">
+            <a:schemeClr val="accent6"/>
+          </a:effectRef>
+          <a:fontRef idx="minor">
+            <a:schemeClr val="tx1"/>
+          </a:fontRef>
+        </p:style>
+      </p:cxnSp>
+      <p:cxnSp>
+        <p:nvCxnSpPr>
+          <p:cNvPr id="10" name="Straight Arrow Connector 9">
+            <a:extLst>
+              <a:ext uri="{FF2B5EF4-FFF2-40B4-BE49-F238E27FC236}">
+                <a16:creationId xmlns:a16="http://schemas.microsoft.com/office/drawing/2014/main" id="{69076D3A-A51C-4BE9-B31B-C801EDA66E03}"/>
+              </a:ext>
+            </a:extLst>
+          </p:cNvPr>
+          <p:cNvCxnSpPr>
+            <a:cxnSpLocks/>
+          </p:cNvCxnSpPr>
+          <p:nvPr/>
+        </p:nvCxnSpPr>
+        <p:spPr>
+          <a:xfrm>
+            <a:off x="2533059" y="1975948"/>
+            <a:ext cx="829207" cy="118322"/>
+          </a:xfrm>
+          <a:prstGeom prst="straightConnector1">
+            <a:avLst/>
+          </a:prstGeom>
+          <a:ln w="38100">
+            <a:solidFill>
+              <a:srgbClr val="FF0000"/>
+            </a:solidFill>
+            <a:tailEnd type="triangle"/>
+          </a:ln>
+        </p:spPr>
+        <p:style>
+          <a:lnRef idx="3">
+            <a:schemeClr val="accent6"/>
+          </a:lnRef>
+          <a:fillRef idx="0">
+            <a:schemeClr val="accent6"/>
+          </a:fillRef>
+          <a:effectRef idx="2">
+            <a:schemeClr val="accent6"/>
+          </a:effectRef>
+          <a:fontRef idx="minor">
+            <a:schemeClr val="tx1"/>
+          </a:fontRef>
+        </p:style>
+      </p:cxnSp>
+      <p:cxnSp>
+        <p:nvCxnSpPr>
+          <p:cNvPr id="11" name="Straight Arrow Connector 10">
+            <a:extLst>
+              <a:ext uri="{FF2B5EF4-FFF2-40B4-BE49-F238E27FC236}">
+                <a16:creationId xmlns:a16="http://schemas.microsoft.com/office/drawing/2014/main" id="{90C266BC-C976-45E0-9701-A9026E408B1C}"/>
+              </a:ext>
+            </a:extLst>
+          </p:cNvPr>
+          <p:cNvCxnSpPr>
+            <a:cxnSpLocks/>
+          </p:cNvCxnSpPr>
+          <p:nvPr/>
+        </p:nvCxnSpPr>
+        <p:spPr>
+          <a:xfrm flipH="1" flipV="1">
+            <a:off x="6838123" y="1805562"/>
+            <a:ext cx="1083838" cy="85193"/>
+          </a:xfrm>
+          <a:prstGeom prst="straightConnector1">
+            <a:avLst/>
+          </a:prstGeom>
+          <a:ln w="38100">
+            <a:tailEnd type="triangle"/>
+          </a:ln>
+        </p:spPr>
+        <p:style>
+          <a:lnRef idx="3">
+            <a:schemeClr val="accent6"/>
+          </a:lnRef>
+          <a:fillRef idx="0">
+            <a:schemeClr val="accent6"/>
+          </a:fillRef>
+          <a:effectRef idx="2">
+            <a:schemeClr val="accent6"/>
+          </a:effectRef>
+          <a:fontRef idx="minor">
+            <a:schemeClr val="tx1"/>
+          </a:fontRef>
+        </p:style>
+      </p:cxnSp>
+      <p:cxnSp>
+        <p:nvCxnSpPr>
+          <p:cNvPr id="12" name="Straight Arrow Connector 11">
+            <a:extLst>
+              <a:ext uri="{FF2B5EF4-FFF2-40B4-BE49-F238E27FC236}">
+                <a16:creationId xmlns:a16="http://schemas.microsoft.com/office/drawing/2014/main" id="{0DA72ECD-555B-4F0A-B492-E0EABBB1F520}"/>
+              </a:ext>
+            </a:extLst>
+          </p:cNvPr>
+          <p:cNvCxnSpPr>
+            <a:cxnSpLocks/>
+          </p:cNvCxnSpPr>
+          <p:nvPr/>
+        </p:nvCxnSpPr>
+        <p:spPr>
+          <a:xfrm flipH="1">
+            <a:off x="7161854" y="1904957"/>
+            <a:ext cx="715617" cy="189313"/>
+          </a:xfrm>
+          <a:prstGeom prst="straightConnector1">
+            <a:avLst/>
+          </a:prstGeom>
+          <a:ln w="38100">
+            <a:solidFill>
+              <a:srgbClr val="FF0000"/>
+            </a:solidFill>
+            <a:tailEnd type="triangle"/>
+          </a:ln>
+        </p:spPr>
+        <p:style>
+          <a:lnRef idx="3">
+            <a:schemeClr val="accent6"/>
+          </a:lnRef>
+          <a:fillRef idx="0">
+            <a:schemeClr val="accent6"/>
+          </a:fillRef>
+          <a:effectRef idx="2">
+            <a:schemeClr val="accent6"/>
+          </a:effectRef>
+          <a:fontRef idx="minor">
+            <a:schemeClr val="tx1"/>
+          </a:fontRef>
+        </p:style>
+      </p:cxnSp>
+      <mc:AlternateContent xmlns:mc="http://schemas.openxmlformats.org/markup-compatibility/2006">
+        <mc:Choice xmlns:a14="http://schemas.microsoft.com/office/drawing/2010/main" Requires="a14">
+          <p:sp>
+            <p:nvSpPr>
+              <p:cNvPr id="13" name="TextBox 12">
+                <a:extLst>
+                  <a:ext uri="{FF2B5EF4-FFF2-40B4-BE49-F238E27FC236}">
+                    <a16:creationId xmlns:a16="http://schemas.microsoft.com/office/drawing/2014/main" id="{32AB5BE1-BDE6-4B09-AA22-30880EF05A0B}"/>
+                  </a:ext>
+                </a:extLst>
+              </p:cNvPr>
+              <p:cNvSpPr txBox="1"/>
+              <p:nvPr/>
+            </p:nvSpPr>
+            <p:spPr>
+              <a:xfrm>
+                <a:off x="3723514" y="58300"/>
+                <a:ext cx="1435713" cy="369332"/>
+              </a:xfrm>
+              <a:prstGeom prst="rect">
+                <a:avLst/>
+              </a:prstGeom>
+              <a:noFill/>
+            </p:spPr>
+            <p:txBody>
+              <a:bodyPr wrap="none" rtlCol="0">
+                <a:spAutoFit/>
+              </a:bodyPr>
+              <a:lstStyle/>
+              <a:p>
+                <a14:m>
+                  <m:oMathPara xmlns:m="http://schemas.openxmlformats.org/officeDocument/2006/math">
+                    <m:oMathParaPr>
+                      <m:jc m:val="centerGroup"/>
+                    </m:oMathParaPr>
+                    <m:oMath xmlns:m="http://schemas.openxmlformats.org/officeDocument/2006/math">
+                      <m:sSub>
+                        <m:sSubPr>
+                          <m:ctrlPr>
+                            <a:rPr lang="en-US" b="0" i="1" smtClean="0">
+                              <a:latin typeface="Cambria Math" panose="02040503050406030204" pitchFamily="18" charset="0"/>
+                            </a:rPr>
+                          </m:ctrlPr>
+                        </m:sSubPr>
+                        <m:e>
+                          <m:r>
+                            <a:rPr lang="en-US" b="0" i="1" smtClean="0">
+                              <a:latin typeface="Cambria Math" panose="02040503050406030204" pitchFamily="18" charset="0"/>
+                            </a:rPr>
+                            <m:t>𝜈</m:t>
+                          </m:r>
+                        </m:e>
+                        <m:sub>
+                          <m:r>
+                            <a:rPr lang="en-US" b="0" i="1" smtClean="0">
+                              <a:latin typeface="Cambria Math" panose="02040503050406030204" pitchFamily="18" charset="0"/>
+                            </a:rPr>
+                            <m:t>1</m:t>
+                          </m:r>
+                        </m:sub>
+                      </m:sSub>
+                      <m:r>
+                        <a:rPr lang="en-US" b="0" i="1" smtClean="0">
+                          <a:latin typeface="Cambria Math" panose="02040503050406030204" pitchFamily="18" charset="0"/>
+                        </a:rPr>
+                        <m:t>=</m:t>
+                      </m:r>
+                      <m:sSub>
+                        <m:sSubPr>
+                          <m:ctrlPr>
+                            <a:rPr lang="en-US" b="0" i="1" smtClean="0">
+                              <a:latin typeface="Cambria Math" panose="02040503050406030204" pitchFamily="18" charset="0"/>
+                            </a:rPr>
+                          </m:ctrlPr>
+                        </m:sSubPr>
+                        <m:e>
+                          <m:r>
+                            <a:rPr lang="en-US" b="0" i="1" smtClean="0">
+                              <a:latin typeface="Cambria Math" panose="02040503050406030204" pitchFamily="18" charset="0"/>
+                            </a:rPr>
+                            <m:t>𝜔</m:t>
+                          </m:r>
+                        </m:e>
+                        <m:sub>
+                          <m:r>
+                            <a:rPr lang="en-US" b="0" i="1" smtClean="0">
+                              <a:latin typeface="Cambria Math" panose="02040503050406030204" pitchFamily="18" charset="0"/>
+                            </a:rPr>
+                            <m:t>0</m:t>
+                          </m:r>
+                        </m:sub>
+                      </m:sSub>
+                      <m:r>
+                        <a:rPr lang="en-US" b="0" i="1" smtClean="0">
+                          <a:latin typeface="Cambria Math" panose="02040503050406030204" pitchFamily="18" charset="0"/>
+                        </a:rPr>
+                        <m:t>+</m:t>
+                      </m:r>
+                      <m:r>
+                        <a:rPr lang="en-US" b="0" i="1" smtClean="0">
+                          <a:latin typeface="Cambria Math" panose="02040503050406030204" pitchFamily="18" charset="0"/>
+                        </a:rPr>
+                        <m:t>𝛿</m:t>
+                      </m:r>
+                    </m:oMath>
+                  </m:oMathPara>
+                </a14:m>
+                <a:endParaRPr lang="en-US" dirty="0"/>
+              </a:p>
+            </p:txBody>
+          </p:sp>
+        </mc:Choice>
+        <mc:Fallback>
+          <p:sp>
+            <p:nvSpPr>
+              <p:cNvPr id="13" name="TextBox 12">
+                <a:extLst>
+                  <a:ext uri="{FF2B5EF4-FFF2-40B4-BE49-F238E27FC236}">
+                    <a16:creationId xmlns:a16="http://schemas.microsoft.com/office/drawing/2014/main" id="{32AB5BE1-BDE6-4B09-AA22-30880EF05A0B}"/>
+                  </a:ext>
+                </a:extLst>
+              </p:cNvPr>
+              <p:cNvSpPr txBox="1">
+                <a:spLocks noRot="1" noChangeAspect="1" noMove="1" noResize="1" noEditPoints="1" noAdjustHandles="1" noChangeArrowheads="1" noChangeShapeType="1" noTextEdit="1"/>
+              </p:cNvSpPr>
+              <p:nvPr/>
+            </p:nvSpPr>
+            <p:spPr>
+              <a:xfrm>
+                <a:off x="3723514" y="58300"/>
+                <a:ext cx="1435713" cy="369332"/>
+              </a:xfrm>
+              <a:prstGeom prst="rect">
+                <a:avLst/>
+              </a:prstGeom>
+              <a:blipFill>
+                <a:blip r:embed="rId2"/>
+                <a:stretch>
+                  <a:fillRect/>
+                </a:stretch>
+              </a:blipFill>
+            </p:spPr>
+            <p:txBody>
+              <a:bodyPr/>
+              <a:lstStyle/>
+              <a:p>
+                <a:r>
+                  <a:rPr lang="en-US">
+                    <a:noFill/>
+                  </a:rPr>
+                  <a:t> </a:t>
+                </a:r>
+              </a:p>
+            </p:txBody>
+          </p:sp>
+        </mc:Fallback>
+      </mc:AlternateContent>
+      <p:sp>
+        <p:nvSpPr>
+          <p:cNvPr id="14" name="Flowchart: Direct Access Storage 13">
+            <a:extLst>
+              <a:ext uri="{FF2B5EF4-FFF2-40B4-BE49-F238E27FC236}">
+                <a16:creationId xmlns:a16="http://schemas.microsoft.com/office/drawing/2014/main" id="{95AC58F5-91CE-4FC8-8DC0-DAD77B363320}"/>
+              </a:ext>
+            </a:extLst>
+          </p:cNvPr>
+          <p:cNvSpPr/>
+          <p:nvPr/>
+        </p:nvSpPr>
+        <p:spPr>
+          <a:xfrm>
+            <a:off x="6274904" y="511187"/>
+            <a:ext cx="789451" cy="373429"/>
+          </a:xfrm>
+          <a:prstGeom prst="flowChartMagneticDrum">
+            <a:avLst/>
+          </a:prstGeom>
+          <a:ln w="12700">
+            <a:solidFill>
+              <a:schemeClr val="tx1"/>
+            </a:solidFill>
+          </a:ln>
+        </p:spPr>
+        <p:style>
+          <a:lnRef idx="2">
+            <a:schemeClr val="accent6"/>
+          </a:lnRef>
+          <a:fillRef idx="1">
+            <a:schemeClr val="lt1"/>
+          </a:fillRef>
+          <a:effectRef idx="0">
+            <a:schemeClr val="accent6"/>
+          </a:effectRef>
+          <a:fontRef idx="minor">
+            <a:schemeClr val="dk1"/>
+          </a:fontRef>
+        </p:style>
+        <p:txBody>
+          <a:bodyPr rtlCol="0" anchor="ctr"/>
+          <a:lstStyle/>
+          <a:p>
+            <a:pPr algn="ctr"/>
+            <a:endParaRPr lang="en-US"/>
+          </a:p>
+        </p:txBody>
+      </p:sp>
+      <mc:AlternateContent xmlns:mc="http://schemas.openxmlformats.org/markup-compatibility/2006">
+        <mc:Choice xmlns:a14="http://schemas.microsoft.com/office/drawing/2010/main" Requires="a14">
+          <p:sp>
+            <p:nvSpPr>
+              <p:cNvPr id="15" name="TextBox 14">
+                <a:extLst>
+                  <a:ext uri="{FF2B5EF4-FFF2-40B4-BE49-F238E27FC236}">
+                    <a16:creationId xmlns:a16="http://schemas.microsoft.com/office/drawing/2014/main" id="{8DAFCECD-0AA7-41BA-B05A-3644803F34F4}"/>
+                  </a:ext>
+                </a:extLst>
+              </p:cNvPr>
+              <p:cNvSpPr txBox="1"/>
+              <p:nvPr/>
+            </p:nvSpPr>
+            <p:spPr>
+              <a:xfrm>
+                <a:off x="5951772" y="58300"/>
+                <a:ext cx="1435713" cy="369332"/>
+              </a:xfrm>
+              <a:prstGeom prst="rect">
+                <a:avLst/>
+              </a:prstGeom>
+              <a:noFill/>
+            </p:spPr>
+            <p:txBody>
+              <a:bodyPr wrap="none" rtlCol="0">
+                <a:spAutoFit/>
+              </a:bodyPr>
+              <a:lstStyle/>
+              <a:p>
+                <a14:m>
+                  <m:oMathPara xmlns:m="http://schemas.openxmlformats.org/officeDocument/2006/math">
+                    <m:oMathParaPr>
+                      <m:jc m:val="centerGroup"/>
+                    </m:oMathParaPr>
+                    <m:oMath xmlns:m="http://schemas.openxmlformats.org/officeDocument/2006/math">
+                      <m:sSub>
+                        <m:sSubPr>
+                          <m:ctrlPr>
+                            <a:rPr lang="en-US" b="0" i="1" smtClean="0">
+                              <a:latin typeface="Cambria Math" panose="02040503050406030204" pitchFamily="18" charset="0"/>
+                            </a:rPr>
+                          </m:ctrlPr>
+                        </m:sSubPr>
+                        <m:e>
+                          <m:r>
+                            <a:rPr lang="en-US" b="0" i="1" smtClean="0">
+                              <a:latin typeface="Cambria Math" panose="02040503050406030204" pitchFamily="18" charset="0"/>
+                            </a:rPr>
+                            <m:t>𝜈</m:t>
+                          </m:r>
+                        </m:e>
+                        <m:sub>
+                          <m:r>
+                            <a:rPr lang="en-US" b="0" i="1" smtClean="0">
+                              <a:latin typeface="Cambria Math" panose="02040503050406030204" pitchFamily="18" charset="0"/>
+                            </a:rPr>
+                            <m:t>1</m:t>
+                          </m:r>
+                        </m:sub>
+                      </m:sSub>
+                      <m:r>
+                        <a:rPr lang="en-US" b="0" i="1" smtClean="0">
+                          <a:latin typeface="Cambria Math" panose="02040503050406030204" pitchFamily="18" charset="0"/>
+                        </a:rPr>
+                        <m:t>=</m:t>
+                      </m:r>
+                      <m:sSub>
+                        <m:sSubPr>
+                          <m:ctrlPr>
+                            <a:rPr lang="en-US" b="0" i="1" smtClean="0">
+                              <a:latin typeface="Cambria Math" panose="02040503050406030204" pitchFamily="18" charset="0"/>
+                            </a:rPr>
+                          </m:ctrlPr>
+                        </m:sSubPr>
+                        <m:e>
+                          <m:r>
+                            <a:rPr lang="en-US" b="0" i="1" smtClean="0">
+                              <a:latin typeface="Cambria Math" panose="02040503050406030204" pitchFamily="18" charset="0"/>
+                            </a:rPr>
+                            <m:t>𝜔</m:t>
+                          </m:r>
+                        </m:e>
+                        <m:sub>
+                          <m:r>
+                            <a:rPr lang="en-US" b="0" i="1" smtClean="0">
+                              <a:latin typeface="Cambria Math" panose="02040503050406030204" pitchFamily="18" charset="0"/>
+                            </a:rPr>
+                            <m:t>0</m:t>
+                          </m:r>
+                        </m:sub>
+                      </m:sSub>
+                      <m:r>
+                        <a:rPr lang="en-US" b="0" i="1" smtClean="0">
+                          <a:latin typeface="Cambria Math" panose="02040503050406030204" pitchFamily="18" charset="0"/>
+                        </a:rPr>
+                        <m:t>−</m:t>
+                      </m:r>
+                      <m:r>
+                        <a:rPr lang="en-US" b="0" i="1" smtClean="0">
+                          <a:latin typeface="Cambria Math" panose="02040503050406030204" pitchFamily="18" charset="0"/>
+                        </a:rPr>
+                        <m:t>𝛿</m:t>
+                      </m:r>
+                    </m:oMath>
+                  </m:oMathPara>
+                </a14:m>
+                <a:endParaRPr lang="en-US" dirty="0"/>
+              </a:p>
+            </p:txBody>
+          </p:sp>
+        </mc:Choice>
+        <mc:Fallback>
+          <p:sp>
+            <p:nvSpPr>
+              <p:cNvPr id="15" name="TextBox 14">
+                <a:extLst>
+                  <a:ext uri="{FF2B5EF4-FFF2-40B4-BE49-F238E27FC236}">
+                    <a16:creationId xmlns:a16="http://schemas.microsoft.com/office/drawing/2014/main" id="{8DAFCECD-0AA7-41BA-B05A-3644803F34F4}"/>
+                  </a:ext>
+                </a:extLst>
+              </p:cNvPr>
+              <p:cNvSpPr txBox="1">
+                <a:spLocks noRot="1" noChangeAspect="1" noMove="1" noResize="1" noEditPoints="1" noAdjustHandles="1" noChangeArrowheads="1" noChangeShapeType="1" noTextEdit="1"/>
+              </p:cNvSpPr>
+              <p:nvPr/>
+            </p:nvSpPr>
+            <p:spPr>
+              <a:xfrm>
+                <a:off x="5951772" y="58300"/>
+                <a:ext cx="1435713" cy="369332"/>
+              </a:xfrm>
+              <a:prstGeom prst="rect">
+                <a:avLst/>
+              </a:prstGeom>
+              <a:blipFill>
+                <a:blip r:embed="rId3"/>
+                <a:stretch>
+                  <a:fillRect/>
+                </a:stretch>
+              </a:blipFill>
+            </p:spPr>
+            <p:txBody>
+              <a:bodyPr/>
+              <a:lstStyle/>
+              <a:p>
+                <a:r>
+                  <a:rPr lang="en-US">
+                    <a:noFill/>
+                  </a:rPr>
+                  <a:t> </a:t>
+                </a:r>
+              </a:p>
+            </p:txBody>
+          </p:sp>
+        </mc:Fallback>
+      </mc:AlternateContent>
+      <p:pic>
+        <p:nvPicPr>
+          <p:cNvPr id="18" name="Picture 17">
+            <a:extLst>
+              <a:ext uri="{FF2B5EF4-FFF2-40B4-BE49-F238E27FC236}">
+                <a16:creationId xmlns:a16="http://schemas.microsoft.com/office/drawing/2014/main" id="{5D4331DA-8AD3-48E1-9605-77093F920F8D}"/>
+              </a:ext>
+            </a:extLst>
+          </p:cNvPr>
+          <p:cNvPicPr>
+            <a:picLocks noChangeAspect="1"/>
+          </p:cNvPicPr>
+          <p:nvPr/>
+        </p:nvPicPr>
+        <p:blipFill>
+          <a:blip r:embed="rId4"/>
+          <a:stretch>
+            <a:fillRect/>
+          </a:stretch>
+        </p:blipFill>
+        <p:spPr>
+          <a:xfrm>
+            <a:off x="864484" y="2833320"/>
+            <a:ext cx="6364323" cy="3860822"/>
+          </a:xfrm>
+          <a:prstGeom prst="rect">
+            <a:avLst/>
+          </a:prstGeom>
+        </p:spPr>
+      </p:pic>
+      <p:pic>
+        <p:nvPicPr>
+          <p:cNvPr id="19" name="Picture 18">
+            <a:extLst>
+              <a:ext uri="{FF2B5EF4-FFF2-40B4-BE49-F238E27FC236}">
+                <a16:creationId xmlns:a16="http://schemas.microsoft.com/office/drawing/2014/main" id="{345F4EE5-6E4A-4559-A43E-04AE9B43F5D8}"/>
+              </a:ext>
+            </a:extLst>
+          </p:cNvPr>
+          <p:cNvPicPr>
+            <a:picLocks noChangeAspect="1"/>
+          </p:cNvPicPr>
+          <p:nvPr/>
+        </p:nvPicPr>
+        <p:blipFill>
+          <a:blip r:embed="rId5"/>
+          <a:stretch>
+            <a:fillRect/>
+          </a:stretch>
+        </p:blipFill>
+        <p:spPr>
+          <a:xfrm>
+            <a:off x="8172805" y="2833320"/>
+            <a:ext cx="3461607" cy="1050419"/>
+          </a:xfrm>
+          <a:prstGeom prst="rect">
+            <a:avLst/>
+          </a:prstGeom>
+        </p:spPr>
+      </p:pic>
+    </p:spTree>
+    <p:extLst>
+      <p:ext uri="{BB962C8B-B14F-4D97-AF65-F5344CB8AC3E}">
+        <p14:creationId xmlns:p14="http://schemas.microsoft.com/office/powerpoint/2010/main" val="1446374712"/>
+      </p:ext>
+    </p:extLst>
+  </p:cSld>
+  <p:clrMapOvr>
+    <a:masterClrMapping/>
+  </p:clrMapOvr>
+</p:sld>
+</file>
+
+<file path=ppt/slides/slide4.xml><?xml version="1.0" encoding="utf-8"?>
+<p:sld xmlns:a="http://schemas.openxmlformats.org/drawingml/2006/main" xmlns:r="http://schemas.openxmlformats.org/officeDocument/2006/relationships" xmlns:p="http://schemas.openxmlformats.org/presentationml/2006/main">
+  <p:cSld>
+    <p:spTree>
+      <p:nvGrpSpPr>
+        <p:cNvPr id="1" name=""/>
+        <p:cNvGrpSpPr/>
+        <p:nvPr/>
+      </p:nvGrpSpPr>
+      <p:grpSpPr>
+        <a:xfrm>
+          <a:off x="0" y="0"/>
+          <a:ext cx="0" cy="0"/>
+          <a:chOff x="0" y="0"/>
+          <a:chExt cx="0" cy="0"/>
+        </a:xfrm>
+      </p:grpSpPr>
+      <p:sp>
+        <p:nvSpPr>
+          <p:cNvPr id="4" name="Cube 3">
+            <a:extLst>
+              <a:ext uri="{FF2B5EF4-FFF2-40B4-BE49-F238E27FC236}">
+                <a16:creationId xmlns:a16="http://schemas.microsoft.com/office/drawing/2014/main" id="{F6AE70DA-C698-4858-A072-F3D35FA7CAF0}"/>
+              </a:ext>
+            </a:extLst>
+          </p:cNvPr>
+          <p:cNvSpPr/>
+          <p:nvPr/>
+        </p:nvSpPr>
+        <p:spPr>
+          <a:xfrm>
+            <a:off x="2754559" y="1146740"/>
+            <a:ext cx="5418246" cy="1317645"/>
+          </a:xfrm>
+          <a:prstGeom prst="cube">
+            <a:avLst/>
+          </a:prstGeom>
+        </p:spPr>
+        <p:style>
+          <a:lnRef idx="2">
+            <a:schemeClr val="dk1"/>
+          </a:lnRef>
+          <a:fillRef idx="1">
+            <a:schemeClr val="lt1"/>
+          </a:fillRef>
+          <a:effectRef idx="0">
+            <a:schemeClr val="dk1"/>
+          </a:effectRef>
+          <a:fontRef idx="minor">
+            <a:schemeClr val="dk1"/>
+          </a:fontRef>
+        </p:style>
+        <p:txBody>
+          <a:bodyPr rtlCol="0" anchor="ctr"/>
+          <a:lstStyle/>
+          <a:p>
+            <a:pPr algn="ctr"/>
+            <a:endParaRPr lang="en-US"/>
+          </a:p>
+        </p:txBody>
+      </p:sp>
+      <p:sp>
+        <p:nvSpPr>
+          <p:cNvPr id="5" name="Flowchart: Direct Access Storage 4">
+            <a:extLst>
+              <a:ext uri="{FF2B5EF4-FFF2-40B4-BE49-F238E27FC236}">
+                <a16:creationId xmlns:a16="http://schemas.microsoft.com/office/drawing/2014/main" id="{EE39CC55-8ACE-4DEB-A1B4-59B6FC37747A}"/>
+              </a:ext>
+            </a:extLst>
+          </p:cNvPr>
+          <p:cNvSpPr/>
+          <p:nvPr/>
+        </p:nvSpPr>
+        <p:spPr>
+          <a:xfrm>
+            <a:off x="4046646" y="542858"/>
+            <a:ext cx="789451" cy="373429"/>
+          </a:xfrm>
+          <a:prstGeom prst="flowChartMagneticDrum">
+            <a:avLst/>
+          </a:prstGeom>
+          <a:ln w="12700">
+            <a:solidFill>
+              <a:schemeClr val="tx1"/>
+            </a:solidFill>
+          </a:ln>
+        </p:spPr>
+        <p:style>
+          <a:lnRef idx="2">
+            <a:schemeClr val="accent6"/>
+          </a:lnRef>
+          <a:fillRef idx="1">
+            <a:schemeClr val="lt1"/>
+          </a:fillRef>
+          <a:effectRef idx="0">
+            <a:schemeClr val="accent6"/>
+          </a:effectRef>
+          <a:fontRef idx="minor">
+            <a:schemeClr val="dk1"/>
+          </a:fontRef>
+        </p:style>
+        <p:txBody>
+          <a:bodyPr rtlCol="0" anchor="ctr"/>
+          <a:lstStyle/>
+          <a:p>
+            <a:pPr algn="ctr"/>
+            <a:endParaRPr lang="en-US"/>
+          </a:p>
+        </p:txBody>
+      </p:sp>
+      <p:cxnSp>
+        <p:nvCxnSpPr>
+          <p:cNvPr id="6" name="Straight Arrow Connector 5">
+            <a:extLst>
+              <a:ext uri="{FF2B5EF4-FFF2-40B4-BE49-F238E27FC236}">
+                <a16:creationId xmlns:a16="http://schemas.microsoft.com/office/drawing/2014/main" id="{946D3F06-3979-4F70-8067-6A99B50F5862}"/>
+              </a:ext>
+            </a:extLst>
+          </p:cNvPr>
+          <p:cNvCxnSpPr>
+            <a:cxnSpLocks/>
+          </p:cNvCxnSpPr>
+          <p:nvPr/>
+        </p:nvCxnSpPr>
+        <p:spPr>
+          <a:xfrm flipV="1">
+            <a:off x="2533059" y="1805562"/>
+            <a:ext cx="1198375" cy="170386"/>
+          </a:xfrm>
+          <a:prstGeom prst="straightConnector1">
+            <a:avLst/>
+          </a:prstGeom>
+          <a:ln w="38100">
+            <a:tailEnd type="triangle"/>
+          </a:ln>
+        </p:spPr>
+        <p:style>
+          <a:lnRef idx="3">
+            <a:schemeClr val="accent6"/>
+          </a:lnRef>
+          <a:fillRef idx="0">
+            <a:schemeClr val="accent6"/>
+          </a:fillRef>
+          <a:effectRef idx="2">
+            <a:schemeClr val="accent6"/>
+          </a:effectRef>
+          <a:fontRef idx="minor">
+            <a:schemeClr val="tx1"/>
+          </a:fontRef>
+        </p:style>
+      </p:cxnSp>
+      <p:cxnSp>
+        <p:nvCxnSpPr>
+          <p:cNvPr id="7" name="Straight Arrow Connector 6">
+            <a:extLst>
+              <a:ext uri="{FF2B5EF4-FFF2-40B4-BE49-F238E27FC236}">
+                <a16:creationId xmlns:a16="http://schemas.microsoft.com/office/drawing/2014/main" id="{257E808D-3F95-4E6D-BF72-77575CF081B6}"/>
+              </a:ext>
+            </a:extLst>
+          </p:cNvPr>
+          <p:cNvCxnSpPr>
+            <a:cxnSpLocks/>
+          </p:cNvCxnSpPr>
+          <p:nvPr/>
+        </p:nvCxnSpPr>
+        <p:spPr>
+          <a:xfrm>
+            <a:off x="2533059" y="1975948"/>
+            <a:ext cx="829207" cy="118322"/>
+          </a:xfrm>
+          <a:prstGeom prst="straightConnector1">
+            <a:avLst/>
+          </a:prstGeom>
+          <a:ln w="38100">
+            <a:solidFill>
+              <a:srgbClr val="FF0000"/>
+            </a:solidFill>
+            <a:tailEnd type="triangle"/>
+          </a:ln>
+        </p:spPr>
+        <p:style>
+          <a:lnRef idx="3">
+            <a:schemeClr val="accent6"/>
+          </a:lnRef>
+          <a:fillRef idx="0">
+            <a:schemeClr val="accent6"/>
+          </a:fillRef>
+          <a:effectRef idx="2">
+            <a:schemeClr val="accent6"/>
+          </a:effectRef>
+          <a:fontRef idx="minor">
+            <a:schemeClr val="tx1"/>
+          </a:fontRef>
+        </p:style>
+      </p:cxnSp>
+      <p:cxnSp>
+        <p:nvCxnSpPr>
+          <p:cNvPr id="8" name="Straight Arrow Connector 7">
+            <a:extLst>
+              <a:ext uri="{FF2B5EF4-FFF2-40B4-BE49-F238E27FC236}">
+                <a16:creationId xmlns:a16="http://schemas.microsoft.com/office/drawing/2014/main" id="{7B7A5DAC-1859-42DD-A241-18A1B257087C}"/>
+              </a:ext>
+            </a:extLst>
+          </p:cNvPr>
+          <p:cNvCxnSpPr>
+            <a:cxnSpLocks/>
+          </p:cNvCxnSpPr>
+          <p:nvPr/>
+        </p:nvCxnSpPr>
+        <p:spPr>
+          <a:xfrm flipH="1" flipV="1">
+            <a:off x="6838123" y="1805562"/>
+            <a:ext cx="1083838" cy="85193"/>
+          </a:xfrm>
+          <a:prstGeom prst="straightConnector1">
+            <a:avLst/>
+          </a:prstGeom>
+          <a:ln w="38100">
+            <a:tailEnd type="triangle"/>
+          </a:ln>
+        </p:spPr>
+        <p:style>
+          <a:lnRef idx="3">
+            <a:schemeClr val="accent6"/>
+          </a:lnRef>
+          <a:fillRef idx="0">
+            <a:schemeClr val="accent6"/>
+          </a:fillRef>
+          <a:effectRef idx="2">
+            <a:schemeClr val="accent6"/>
+          </a:effectRef>
+          <a:fontRef idx="minor">
+            <a:schemeClr val="tx1"/>
+          </a:fontRef>
+        </p:style>
+      </p:cxnSp>
+      <p:cxnSp>
+        <p:nvCxnSpPr>
+          <p:cNvPr id="9" name="Straight Arrow Connector 8">
+            <a:extLst>
+              <a:ext uri="{FF2B5EF4-FFF2-40B4-BE49-F238E27FC236}">
+                <a16:creationId xmlns:a16="http://schemas.microsoft.com/office/drawing/2014/main" id="{944DEE20-A2BF-41F0-80EC-A5D491093250}"/>
+              </a:ext>
+            </a:extLst>
+          </p:cNvPr>
+          <p:cNvCxnSpPr>
+            <a:cxnSpLocks/>
+          </p:cNvCxnSpPr>
+          <p:nvPr/>
+        </p:nvCxnSpPr>
+        <p:spPr>
+          <a:xfrm flipH="1">
+            <a:off x="7161854" y="1904957"/>
+            <a:ext cx="715617" cy="189313"/>
+          </a:xfrm>
+          <a:prstGeom prst="straightConnector1">
+            <a:avLst/>
+          </a:prstGeom>
+          <a:ln w="38100">
+            <a:solidFill>
+              <a:srgbClr val="FF0000"/>
+            </a:solidFill>
+            <a:tailEnd type="triangle"/>
+          </a:ln>
+        </p:spPr>
+        <p:style>
+          <a:lnRef idx="3">
+            <a:schemeClr val="accent6"/>
+          </a:lnRef>
+          <a:fillRef idx="0">
+            <a:schemeClr val="accent6"/>
+          </a:fillRef>
+          <a:effectRef idx="2">
+            <a:schemeClr val="accent6"/>
+          </a:effectRef>
+          <a:fontRef idx="minor">
+            <a:schemeClr val="tx1"/>
+          </a:fontRef>
+        </p:style>
+      </p:cxnSp>
+      <mc:AlternateContent xmlns:mc="http://schemas.openxmlformats.org/markup-compatibility/2006">
+        <mc:Choice xmlns:a14="http://schemas.microsoft.com/office/drawing/2010/main" Requires="a14">
+          <p:sp>
+            <p:nvSpPr>
+              <p:cNvPr id="10" name="TextBox 9">
+                <a:extLst>
+                  <a:ext uri="{FF2B5EF4-FFF2-40B4-BE49-F238E27FC236}">
+                    <a16:creationId xmlns:a16="http://schemas.microsoft.com/office/drawing/2014/main" id="{60C34508-91D8-4884-B1EB-AAC6629B2754}"/>
+                  </a:ext>
+                </a:extLst>
+              </p:cNvPr>
+              <p:cNvSpPr txBox="1"/>
+              <p:nvPr/>
+            </p:nvSpPr>
+            <p:spPr>
+              <a:xfrm>
+                <a:off x="3723514" y="58300"/>
+                <a:ext cx="1027525" cy="369332"/>
+              </a:xfrm>
+              <a:prstGeom prst="rect">
+                <a:avLst/>
+              </a:prstGeom>
+              <a:noFill/>
+            </p:spPr>
+            <p:txBody>
+              <a:bodyPr wrap="none" rtlCol="0">
+                <a:spAutoFit/>
+              </a:bodyPr>
+              <a:lstStyle/>
+              <a:p>
+                <a14:m>
+                  <m:oMathPara xmlns:m="http://schemas.openxmlformats.org/officeDocument/2006/math">
+                    <m:oMathParaPr>
+                      <m:jc m:val="centerGroup"/>
+                    </m:oMathParaPr>
+                    <m:oMath xmlns:m="http://schemas.openxmlformats.org/officeDocument/2006/math">
+                      <m:sSub>
+                        <m:sSubPr>
+                          <m:ctrlPr>
+                            <a:rPr lang="en-US" b="0" i="1" smtClean="0">
+                              <a:latin typeface="Cambria Math" panose="02040503050406030204" pitchFamily="18" charset="0"/>
+                            </a:rPr>
+                          </m:ctrlPr>
+                        </m:sSubPr>
+                        <m:e>
+                          <m:r>
+                            <a:rPr lang="en-US" b="0" i="1" smtClean="0">
+                              <a:latin typeface="Cambria Math" panose="02040503050406030204" pitchFamily="18" charset="0"/>
+                            </a:rPr>
+                            <m:t>𝜈</m:t>
+                          </m:r>
+                        </m:e>
+                        <m:sub>
+                          <m:r>
+                            <a:rPr lang="en-US" b="0" i="1" smtClean="0">
+                              <a:latin typeface="Cambria Math" panose="02040503050406030204" pitchFamily="18" charset="0"/>
+                            </a:rPr>
+                            <m:t>1</m:t>
+                          </m:r>
+                        </m:sub>
+                      </m:sSub>
+                      <m:r>
+                        <a:rPr lang="en-US" b="0" i="1" smtClean="0">
+                          <a:latin typeface="Cambria Math" panose="02040503050406030204" pitchFamily="18" charset="0"/>
+                        </a:rPr>
+                        <m:t>=</m:t>
+                      </m:r>
+                      <m:sSub>
+                        <m:sSubPr>
+                          <m:ctrlPr>
+                            <a:rPr lang="en-US" b="0" i="1" smtClean="0">
+                              <a:latin typeface="Cambria Math" panose="02040503050406030204" pitchFamily="18" charset="0"/>
+                            </a:rPr>
+                          </m:ctrlPr>
+                        </m:sSubPr>
+                        <m:e>
+                          <m:r>
+                            <a:rPr lang="en-US" b="0" i="1" smtClean="0">
+                              <a:latin typeface="Cambria Math" panose="02040503050406030204" pitchFamily="18" charset="0"/>
+                            </a:rPr>
+                            <m:t>𝜔</m:t>
+                          </m:r>
+                        </m:e>
+                        <m:sub>
+                          <m:r>
+                            <a:rPr lang="en-US" b="0" i="1" smtClean="0">
+                              <a:latin typeface="Cambria Math" panose="02040503050406030204" pitchFamily="18" charset="0"/>
+                            </a:rPr>
+                            <m:t>0</m:t>
+                          </m:r>
+                        </m:sub>
+                      </m:sSub>
+                    </m:oMath>
+                  </m:oMathPara>
+                </a14:m>
+                <a:endParaRPr lang="en-US" dirty="0"/>
+              </a:p>
+            </p:txBody>
+          </p:sp>
+        </mc:Choice>
+        <mc:Fallback>
+          <p:sp>
+            <p:nvSpPr>
+              <p:cNvPr id="10" name="TextBox 9">
+                <a:extLst>
+                  <a:ext uri="{FF2B5EF4-FFF2-40B4-BE49-F238E27FC236}">
+                    <a16:creationId xmlns:a16="http://schemas.microsoft.com/office/drawing/2014/main" id="{60C34508-91D8-4884-B1EB-AAC6629B2754}"/>
+                  </a:ext>
+                </a:extLst>
+              </p:cNvPr>
+              <p:cNvSpPr txBox="1">
+                <a:spLocks noRot="1" noChangeAspect="1" noMove="1" noResize="1" noEditPoints="1" noAdjustHandles="1" noChangeArrowheads="1" noChangeShapeType="1" noTextEdit="1"/>
+              </p:cNvSpPr>
+              <p:nvPr/>
+            </p:nvSpPr>
+            <p:spPr>
+              <a:xfrm>
+                <a:off x="3723514" y="58300"/>
+                <a:ext cx="1027525" cy="369332"/>
+              </a:xfrm>
+              <a:prstGeom prst="rect">
+                <a:avLst/>
+              </a:prstGeom>
+              <a:blipFill>
+                <a:blip r:embed="rId2"/>
+                <a:stretch>
+                  <a:fillRect/>
+                </a:stretch>
+              </a:blipFill>
+            </p:spPr>
+            <p:txBody>
+              <a:bodyPr/>
+              <a:lstStyle/>
+              <a:p>
+                <a:r>
+                  <a:rPr lang="en-US">
+                    <a:noFill/>
+                  </a:rPr>
+                  <a:t> </a:t>
+                </a:r>
+              </a:p>
+            </p:txBody>
+          </p:sp>
+        </mc:Fallback>
+      </mc:AlternateContent>
+      <p:sp>
+        <p:nvSpPr>
+          <p:cNvPr id="11" name="Flowchart: Direct Access Storage 10">
+            <a:extLst>
+              <a:ext uri="{FF2B5EF4-FFF2-40B4-BE49-F238E27FC236}">
+                <a16:creationId xmlns:a16="http://schemas.microsoft.com/office/drawing/2014/main" id="{7DB0324A-8D87-49FA-A514-32A3ADEE7941}"/>
+              </a:ext>
+            </a:extLst>
+          </p:cNvPr>
+          <p:cNvSpPr/>
+          <p:nvPr/>
+        </p:nvSpPr>
+        <p:spPr>
+          <a:xfrm>
+            <a:off x="6274904" y="511187"/>
+            <a:ext cx="789451" cy="373429"/>
+          </a:xfrm>
+          <a:prstGeom prst="flowChartMagneticDrum">
+            <a:avLst/>
+          </a:prstGeom>
+          <a:ln w="12700">
+            <a:solidFill>
+              <a:schemeClr val="tx1"/>
+            </a:solidFill>
+          </a:ln>
+        </p:spPr>
+        <p:style>
+          <a:lnRef idx="2">
+            <a:schemeClr val="accent6"/>
+          </a:lnRef>
+          <a:fillRef idx="1">
+            <a:schemeClr val="lt1"/>
+          </a:fillRef>
+          <a:effectRef idx="0">
+            <a:schemeClr val="accent6"/>
+          </a:effectRef>
+          <a:fontRef idx="minor">
+            <a:schemeClr val="dk1"/>
+          </a:fontRef>
+        </p:style>
+        <p:txBody>
+          <a:bodyPr rtlCol="0" anchor="ctr"/>
+          <a:lstStyle/>
+          <a:p>
+            <a:pPr algn="ctr"/>
+            <a:endParaRPr lang="en-US"/>
+          </a:p>
+        </p:txBody>
+      </p:sp>
+      <mc:AlternateContent xmlns:mc="http://schemas.openxmlformats.org/markup-compatibility/2006">
+        <mc:Choice xmlns:a14="http://schemas.microsoft.com/office/drawing/2010/main" Requires="a14">
+          <p:sp>
+            <p:nvSpPr>
+              <p:cNvPr id="12" name="TextBox 11">
+                <a:extLst>
+                  <a:ext uri="{FF2B5EF4-FFF2-40B4-BE49-F238E27FC236}">
+                    <a16:creationId xmlns:a16="http://schemas.microsoft.com/office/drawing/2014/main" id="{1E51BF04-6A53-4DB8-A9B9-0F40595B89CB}"/>
+                  </a:ext>
+                </a:extLst>
+              </p:cNvPr>
+              <p:cNvSpPr txBox="1"/>
+              <p:nvPr/>
+            </p:nvSpPr>
+            <p:spPr>
+              <a:xfrm>
+                <a:off x="5951772" y="58300"/>
+                <a:ext cx="1027525" cy="369332"/>
+              </a:xfrm>
+              <a:prstGeom prst="rect">
+                <a:avLst/>
+              </a:prstGeom>
+              <a:noFill/>
+            </p:spPr>
+            <p:txBody>
+              <a:bodyPr wrap="none" rtlCol="0">
+                <a:spAutoFit/>
+              </a:bodyPr>
+              <a:lstStyle/>
+              <a:p>
+                <a14:m>
+                  <m:oMathPara xmlns:m="http://schemas.openxmlformats.org/officeDocument/2006/math">
+                    <m:oMathParaPr>
+                      <m:jc m:val="centerGroup"/>
+                    </m:oMathParaPr>
+                    <m:oMath xmlns:m="http://schemas.openxmlformats.org/officeDocument/2006/math">
+                      <m:sSub>
+                        <m:sSubPr>
+                          <m:ctrlPr>
+                            <a:rPr lang="en-US" b="0" i="1" smtClean="0">
+                              <a:latin typeface="Cambria Math" panose="02040503050406030204" pitchFamily="18" charset="0"/>
+                            </a:rPr>
+                          </m:ctrlPr>
+                        </m:sSubPr>
+                        <m:e>
+                          <m:r>
+                            <a:rPr lang="en-US" b="0" i="1" smtClean="0">
+                              <a:latin typeface="Cambria Math" panose="02040503050406030204" pitchFamily="18" charset="0"/>
+                            </a:rPr>
+                            <m:t>𝜈</m:t>
+                          </m:r>
+                        </m:e>
+                        <m:sub>
+                          <m:r>
+                            <a:rPr lang="en-US" b="0" i="1" smtClean="0">
+                              <a:latin typeface="Cambria Math" panose="02040503050406030204" pitchFamily="18" charset="0"/>
+                            </a:rPr>
+                            <m:t>1</m:t>
+                          </m:r>
+                        </m:sub>
+                      </m:sSub>
+                      <m:r>
+                        <a:rPr lang="en-US" b="0" i="1" smtClean="0">
+                          <a:latin typeface="Cambria Math" panose="02040503050406030204" pitchFamily="18" charset="0"/>
+                        </a:rPr>
+                        <m:t>=</m:t>
+                      </m:r>
+                      <m:sSub>
+                        <m:sSubPr>
+                          <m:ctrlPr>
+                            <a:rPr lang="en-US" b="0" i="1" smtClean="0">
+                              <a:latin typeface="Cambria Math" panose="02040503050406030204" pitchFamily="18" charset="0"/>
+                            </a:rPr>
+                          </m:ctrlPr>
+                        </m:sSubPr>
+                        <m:e>
+                          <m:r>
+                            <a:rPr lang="en-US" b="0" i="1" smtClean="0">
+                              <a:latin typeface="Cambria Math" panose="02040503050406030204" pitchFamily="18" charset="0"/>
+                            </a:rPr>
+                            <m:t>𝜔</m:t>
+                          </m:r>
+                        </m:e>
+                        <m:sub>
+                          <m:r>
+                            <a:rPr lang="en-US" b="0" i="1" smtClean="0">
+                              <a:latin typeface="Cambria Math" panose="02040503050406030204" pitchFamily="18" charset="0"/>
+                            </a:rPr>
+                            <m:t>0</m:t>
+                          </m:r>
+                        </m:sub>
+                      </m:sSub>
+                    </m:oMath>
+                  </m:oMathPara>
+                </a14:m>
+                <a:endParaRPr lang="en-US" dirty="0"/>
+              </a:p>
+            </p:txBody>
+          </p:sp>
+        </mc:Choice>
+        <mc:Fallback>
+          <p:sp>
+            <p:nvSpPr>
+              <p:cNvPr id="12" name="TextBox 11">
+                <a:extLst>
+                  <a:ext uri="{FF2B5EF4-FFF2-40B4-BE49-F238E27FC236}">
+                    <a16:creationId xmlns:a16="http://schemas.microsoft.com/office/drawing/2014/main" id="{1E51BF04-6A53-4DB8-A9B9-0F40595B89CB}"/>
+                  </a:ext>
+                </a:extLst>
+              </p:cNvPr>
+              <p:cNvSpPr txBox="1">
+                <a:spLocks noRot="1" noChangeAspect="1" noMove="1" noResize="1" noEditPoints="1" noAdjustHandles="1" noChangeArrowheads="1" noChangeShapeType="1" noTextEdit="1"/>
+              </p:cNvSpPr>
+              <p:nvPr/>
+            </p:nvSpPr>
+            <p:spPr>
+              <a:xfrm>
+                <a:off x="5951772" y="58300"/>
+                <a:ext cx="1027525" cy="369332"/>
+              </a:xfrm>
+              <a:prstGeom prst="rect">
+                <a:avLst/>
+              </a:prstGeom>
+              <a:blipFill>
+                <a:blip r:embed="rId3"/>
+                <a:stretch>
+                  <a:fillRect/>
+                </a:stretch>
+              </a:blipFill>
+            </p:spPr>
+            <p:txBody>
+              <a:bodyPr/>
+              <a:lstStyle/>
+              <a:p>
+                <a:r>
+                  <a:rPr lang="en-US">
+                    <a:noFill/>
+                  </a:rPr>
+                  <a:t> </a:t>
+                </a:r>
+              </a:p>
+            </p:txBody>
+          </p:sp>
+        </mc:Fallback>
+      </mc:AlternateContent>
+      <p:pic>
+        <p:nvPicPr>
+          <p:cNvPr id="13" name="Picture 12">
+            <a:extLst>
+              <a:ext uri="{FF2B5EF4-FFF2-40B4-BE49-F238E27FC236}">
+                <a16:creationId xmlns:a16="http://schemas.microsoft.com/office/drawing/2014/main" id="{4E7FEFA1-C4D1-46CF-8A81-E793D5799B1D}"/>
+              </a:ext>
+            </a:extLst>
+          </p:cNvPr>
+          <p:cNvPicPr>
+            <a:picLocks noChangeAspect="1"/>
+          </p:cNvPicPr>
+          <p:nvPr/>
+        </p:nvPicPr>
+        <p:blipFill>
+          <a:blip r:embed="rId4"/>
+          <a:stretch>
+            <a:fillRect/>
+          </a:stretch>
+        </p:blipFill>
+        <p:spPr>
+          <a:xfrm>
+            <a:off x="494141" y="2726509"/>
+            <a:ext cx="6013664" cy="3883010"/>
+          </a:xfrm>
+          <a:prstGeom prst="rect">
+            <a:avLst/>
+          </a:prstGeom>
+        </p:spPr>
+      </p:pic>
+      <p:pic>
+        <p:nvPicPr>
+          <p:cNvPr id="15" name="Picture 14">
+            <a:extLst>
+              <a:ext uri="{FF2B5EF4-FFF2-40B4-BE49-F238E27FC236}">
+                <a16:creationId xmlns:a16="http://schemas.microsoft.com/office/drawing/2014/main" id="{7F05F38E-C1D8-4F19-9465-E77A61CAD353}"/>
+              </a:ext>
+            </a:extLst>
+          </p:cNvPr>
+          <p:cNvPicPr>
+            <a:picLocks noChangeAspect="1"/>
+          </p:cNvPicPr>
+          <p:nvPr/>
+        </p:nvPicPr>
+        <p:blipFill>
+          <a:blip r:embed="rId5"/>
+          <a:stretch>
+            <a:fillRect/>
+          </a:stretch>
+        </p:blipFill>
+        <p:spPr>
+          <a:xfrm>
+            <a:off x="7064355" y="2726509"/>
+            <a:ext cx="4042672" cy="1436929"/>
+          </a:xfrm>
+          <a:prstGeom prst="rect">
+            <a:avLst/>
+          </a:prstGeom>
+        </p:spPr>
+      </p:pic>
+      <p:pic>
+        <p:nvPicPr>
+          <p:cNvPr id="17" name="Picture 16">
+            <a:extLst>
+              <a:ext uri="{FF2B5EF4-FFF2-40B4-BE49-F238E27FC236}">
+                <a16:creationId xmlns:a16="http://schemas.microsoft.com/office/drawing/2014/main" id="{83181292-F889-46A6-AA47-1AA2867F1D56}"/>
+              </a:ext>
+            </a:extLst>
+          </p:cNvPr>
+          <p:cNvPicPr>
+            <a:picLocks noChangeAspect="1"/>
+          </p:cNvPicPr>
+          <p:nvPr/>
+        </p:nvPicPr>
+        <p:blipFill>
+          <a:blip r:embed="rId6"/>
+          <a:stretch>
+            <a:fillRect/>
+          </a:stretch>
+        </p:blipFill>
+        <p:spPr>
+          <a:xfrm>
+            <a:off x="6979297" y="4281118"/>
+            <a:ext cx="4042672" cy="1125546"/>
+          </a:xfrm>
+          <a:prstGeom prst="rect">
+            <a:avLst/>
+          </a:prstGeom>
+        </p:spPr>
+      </p:pic>
+    </p:spTree>
+    <p:extLst>
+      <p:ext uri="{BB962C8B-B14F-4D97-AF65-F5344CB8AC3E}">
+        <p14:creationId xmlns:p14="http://schemas.microsoft.com/office/powerpoint/2010/main" val="3555689704"/>
       </p:ext>
     </p:extLst>
   </p:cSld>

--- a/cavity-cavity interaction.pptx
+++ b/cavity-cavity interaction.pptx
@@ -115,6 +115,18 @@
 </p:presentation>
 </file>
 
+<file path=ppt/commentAuthors.xml><?xml version="1.0" encoding="utf-8"?>
+<p:cmAuthorLst xmlns:a="http://schemas.openxmlformats.org/drawingml/2006/main" xmlns:r="http://schemas.openxmlformats.org/officeDocument/2006/relationships" xmlns:p="http://schemas.openxmlformats.org/presentationml/2006/main">
+  <p:cmAuthor id="1" name="Jieyu You" initials="JY" lastIdx="1" clrIdx="0">
+    <p:extLst>
+      <p:ext uri="{19B8F6BF-5375-455C-9EA6-DF929625EA0E}">
+        <p15:presenceInfo xmlns:p15="http://schemas.microsoft.com/office/powerpoint/2012/main" userId="1d51df9180450c5f" providerId="Windows Live"/>
+      </p:ext>
+    </p:extLst>
+  </p:cmAuthor>
+</p:cmAuthorLst>
+</file>
+
 <file path=ppt/slideLayouts/slideLayout1.xml><?xml version="1.0" encoding="utf-8"?>
 <p:sldLayout xmlns:a="http://schemas.openxmlformats.org/drawingml/2006/main" xmlns:r="http://schemas.openxmlformats.org/officeDocument/2006/relationships" xmlns:p="http://schemas.openxmlformats.org/presentationml/2006/main" type="title" preserve="1">
   <p:cSld name="Title Slide">
@@ -262,7 +274,7 @@
           <a:p>
             <a:fld id="{EF99D8DD-7A94-46EE-9681-FFEE5AACB203}" type="datetimeFigureOut">
               <a:rPr lang="en-US" smtClean="0"/>
-              <a:t>9/19/2018</a:t>
+              <a:t>9/21/2018</a:t>
             </a:fld>
             <a:endParaRPr lang="en-US"/>
           </a:p>
@@ -460,7 +472,7 @@
           <a:p>
             <a:fld id="{EF99D8DD-7A94-46EE-9681-FFEE5AACB203}" type="datetimeFigureOut">
               <a:rPr lang="en-US" smtClean="0"/>
-              <a:t>9/19/2018</a:t>
+              <a:t>9/21/2018</a:t>
             </a:fld>
             <a:endParaRPr lang="en-US"/>
           </a:p>
@@ -668,7 +680,7 @@
           <a:p>
             <a:fld id="{EF99D8DD-7A94-46EE-9681-FFEE5AACB203}" type="datetimeFigureOut">
               <a:rPr lang="en-US" smtClean="0"/>
-              <a:t>9/19/2018</a:t>
+              <a:t>9/21/2018</a:t>
             </a:fld>
             <a:endParaRPr lang="en-US"/>
           </a:p>
@@ -866,7 +878,7 @@
           <a:p>
             <a:fld id="{EF99D8DD-7A94-46EE-9681-FFEE5AACB203}" type="datetimeFigureOut">
               <a:rPr lang="en-US" smtClean="0"/>
-              <a:t>9/19/2018</a:t>
+              <a:t>9/21/2018</a:t>
             </a:fld>
             <a:endParaRPr lang="en-US"/>
           </a:p>
@@ -1141,7 +1153,7 @@
           <a:p>
             <a:fld id="{EF99D8DD-7A94-46EE-9681-FFEE5AACB203}" type="datetimeFigureOut">
               <a:rPr lang="en-US" smtClean="0"/>
-              <a:t>9/19/2018</a:t>
+              <a:t>9/21/2018</a:t>
             </a:fld>
             <a:endParaRPr lang="en-US"/>
           </a:p>
@@ -1406,7 +1418,7 @@
           <a:p>
             <a:fld id="{EF99D8DD-7A94-46EE-9681-FFEE5AACB203}" type="datetimeFigureOut">
               <a:rPr lang="en-US" smtClean="0"/>
-              <a:t>9/19/2018</a:t>
+              <a:t>9/21/2018</a:t>
             </a:fld>
             <a:endParaRPr lang="en-US"/>
           </a:p>
@@ -1818,7 +1830,7 @@
           <a:p>
             <a:fld id="{EF99D8DD-7A94-46EE-9681-FFEE5AACB203}" type="datetimeFigureOut">
               <a:rPr lang="en-US" smtClean="0"/>
-              <a:t>9/19/2018</a:t>
+              <a:t>9/21/2018</a:t>
             </a:fld>
             <a:endParaRPr lang="en-US"/>
           </a:p>
@@ -1959,7 +1971,7 @@
           <a:p>
             <a:fld id="{EF99D8DD-7A94-46EE-9681-FFEE5AACB203}" type="datetimeFigureOut">
               <a:rPr lang="en-US" smtClean="0"/>
-              <a:t>9/19/2018</a:t>
+              <a:t>9/21/2018</a:t>
             </a:fld>
             <a:endParaRPr lang="en-US"/>
           </a:p>
@@ -2072,7 +2084,7 @@
           <a:p>
             <a:fld id="{EF99D8DD-7A94-46EE-9681-FFEE5AACB203}" type="datetimeFigureOut">
               <a:rPr lang="en-US" smtClean="0"/>
-              <a:t>9/19/2018</a:t>
+              <a:t>9/21/2018</a:t>
             </a:fld>
             <a:endParaRPr lang="en-US"/>
           </a:p>
@@ -2383,7 +2395,7 @@
           <a:p>
             <a:fld id="{EF99D8DD-7A94-46EE-9681-FFEE5AACB203}" type="datetimeFigureOut">
               <a:rPr lang="en-US" smtClean="0"/>
-              <a:t>9/19/2018</a:t>
+              <a:t>9/21/2018</a:t>
             </a:fld>
             <a:endParaRPr lang="en-US"/>
           </a:p>
@@ -2671,7 +2683,7 @@
           <a:p>
             <a:fld id="{EF99D8DD-7A94-46EE-9681-FFEE5AACB203}" type="datetimeFigureOut">
               <a:rPr lang="en-US" smtClean="0"/>
-              <a:t>9/19/2018</a:t>
+              <a:t>9/21/2018</a:t>
             </a:fld>
             <a:endParaRPr lang="en-US"/>
           </a:p>
@@ -2912,7 +2924,7 @@
           <a:p>
             <a:fld id="{EF99D8DD-7A94-46EE-9681-FFEE5AACB203}" type="datetimeFigureOut">
               <a:rPr lang="en-US" smtClean="0"/>
-              <a:t>9/19/2018</a:t>
+              <a:t>9/21/2018</a:t>
             </a:fld>
             <a:endParaRPr lang="en-US"/>
           </a:p>
@@ -3470,7 +3482,7 @@
         </p:nvSpPr>
         <p:spPr>
           <a:xfrm>
-            <a:off x="4441372" y="1237421"/>
+            <a:off x="4256787" y="2217371"/>
             <a:ext cx="789451" cy="373429"/>
           </a:xfrm>
           <a:prstGeom prst="flowChartMagneticDrum">
@@ -3675,8 +3687,8 @@
           </a:fontRef>
         </p:style>
       </p:cxnSp>
-      <mc:AlternateContent xmlns:mc="http://schemas.openxmlformats.org/markup-compatibility/2006">
-        <mc:Choice xmlns:a14="http://schemas.microsoft.com/office/drawing/2010/main" Requires="a14">
+      <mc:AlternateContent xmlns:mc="http://schemas.openxmlformats.org/markup-compatibility/2006" xmlns:a14="http://schemas.microsoft.com/office/drawing/2010/main">
+        <mc:Choice Requires="a14">
           <p:sp>
             <p:nvSpPr>
               <p:cNvPr id="18" name="TextBox 17">
@@ -3755,7 +3767,7 @@
             </p:txBody>
           </p:sp>
         </mc:Choice>
-        <mc:Fallback>
+        <mc:Fallback xmlns="">
           <p:sp>
             <p:nvSpPr>
               <p:cNvPr id="18" name="TextBox 17">
@@ -4123,8 +4135,8 @@
           </a:fontRef>
         </p:style>
       </p:cxnSp>
-      <mc:AlternateContent xmlns:mc="http://schemas.openxmlformats.org/markup-compatibility/2006">
-        <mc:Choice xmlns:a14="http://schemas.microsoft.com/office/drawing/2010/main" Requires="a14">
+      <mc:AlternateContent xmlns:mc="http://schemas.openxmlformats.org/markup-compatibility/2006" xmlns:a14="http://schemas.microsoft.com/office/drawing/2010/main">
+        <mc:Choice Requires="a14">
           <p:sp>
             <p:nvSpPr>
               <p:cNvPr id="13" name="TextBox 12">
@@ -4153,6 +4165,7 @@
               </a:bodyPr>
               <a:lstStyle/>
               <a:p>
+                <a:pPr/>
                 <a14:m>
                   <m:oMathPara xmlns:m="http://schemas.openxmlformats.org/officeDocument/2006/math">
                     <m:oMathParaPr>
@@ -4235,7 +4248,7 @@
             </p:txBody>
           </p:sp>
         </mc:Choice>
-        <mc:Fallback>
+        <mc:Fallback xmlns="">
           <p:sp>
             <p:nvSpPr>
               <p:cNvPr id="13" name="TextBox 12">
@@ -4329,8 +4342,8 @@
           </a:p>
         </p:txBody>
       </p:sp>
-      <mc:AlternateContent xmlns:mc="http://schemas.openxmlformats.org/markup-compatibility/2006">
-        <mc:Choice xmlns:a14="http://schemas.microsoft.com/office/drawing/2010/main" Requires="a14">
+      <mc:AlternateContent xmlns:mc="http://schemas.openxmlformats.org/markup-compatibility/2006" xmlns:a14="http://schemas.microsoft.com/office/drawing/2010/main">
+        <mc:Choice Requires="a14">
           <p:sp>
             <p:nvSpPr>
               <p:cNvPr id="15" name="TextBox 14">
@@ -4359,6 +4372,7 @@
               </a:bodyPr>
               <a:lstStyle/>
               <a:p>
+                <a:pPr/>
                 <a14:m>
                   <m:oMathPara xmlns:m="http://schemas.openxmlformats.org/officeDocument/2006/math">
                     <m:oMathParaPr>
@@ -4441,7 +4455,7 @@
             </p:txBody>
           </p:sp>
         </mc:Choice>
-        <mc:Fallback>
+        <mc:Fallback xmlns="">
           <p:sp>
             <p:nvSpPr>
               <p:cNvPr id="15" name="TextBox 14">
@@ -4546,6 +4560,264 @@
           </a:prstGeom>
         </p:spPr>
       </p:pic>
+      <mc:AlternateContent xmlns:mc="http://schemas.openxmlformats.org/markup-compatibility/2006" xmlns:a14="http://schemas.microsoft.com/office/drawing/2010/main">
+        <mc:Choice Requires="a14">
+          <p:sp>
+            <p:nvSpPr>
+              <p:cNvPr id="2" name="TextBox 1">
+                <a:extLst>
+                  <a:ext uri="{FF2B5EF4-FFF2-40B4-BE49-F238E27FC236}">
+                    <a16:creationId xmlns:a16="http://schemas.microsoft.com/office/drawing/2014/main" id="{2D145155-BFAF-4AB1-AEA0-A9482235B61F}"/>
+                  </a:ext>
+                </a:extLst>
+              </p:cNvPr>
+              <p:cNvSpPr txBox="1"/>
+              <p:nvPr/>
+            </p:nvSpPr>
+            <p:spPr>
+              <a:xfrm>
+                <a:off x="7601684" y="4393616"/>
+                <a:ext cx="4419740" cy="1785874"/>
+              </a:xfrm>
+              <a:prstGeom prst="rect">
+                <a:avLst/>
+              </a:prstGeom>
+              <a:noFill/>
+            </p:spPr>
+            <p:txBody>
+              <a:bodyPr wrap="square" rtlCol="0">
+                <a:spAutoFit/>
+              </a:bodyPr>
+              <a:lstStyle/>
+              <a:p>
+                <a:pPr marL="285750" indent="-285750">
+                  <a:buFont typeface="Arial" panose="020B0604020202020204" pitchFamily="34" charset="0"/>
+                  <a:buChar char="•"/>
+                </a:pPr>
+                <a:r>
+                  <a:rPr lang="en-US" dirty="0"/>
+                  <a:t>This method works only when </a:t>
+                </a:r>
+                <a14:m>
+                  <m:oMath xmlns:m="http://schemas.openxmlformats.org/officeDocument/2006/math">
+                    <m:sSub>
+                      <m:sSubPr>
+                        <m:ctrlPr>
+                          <a:rPr lang="en-US" b="0" i="1" smtClean="0">
+                            <a:latin typeface="Cambria Math" panose="02040503050406030204" pitchFamily="18" charset="0"/>
+                          </a:rPr>
+                        </m:ctrlPr>
+                      </m:sSubPr>
+                      <m:e>
+                        <m:r>
+                          <a:rPr lang="en-US" b="0" i="1" smtClean="0">
+                            <a:latin typeface="Cambria Math" panose="02040503050406030204" pitchFamily="18" charset="0"/>
+                          </a:rPr>
+                          <m:t>𝛾</m:t>
+                        </m:r>
+                      </m:e>
+                      <m:sub>
+                        <m:r>
+                          <a:rPr lang="en-US" b="0" i="1" smtClean="0">
+                            <a:latin typeface="Cambria Math" panose="02040503050406030204" pitchFamily="18" charset="0"/>
+                          </a:rPr>
+                          <m:t>𝑖𝑗</m:t>
+                        </m:r>
+                      </m:sub>
+                    </m:sSub>
+                    <m:r>
+                      <a:rPr lang="en-US" b="0" i="1" smtClean="0">
+                        <a:latin typeface="Cambria Math" panose="02040503050406030204" pitchFamily="18" charset="0"/>
+                      </a:rPr>
+                      <m:t>=</m:t>
+                    </m:r>
+                    <m:sSubSup>
+                      <m:sSubSupPr>
+                        <m:ctrlPr>
+                          <a:rPr lang="en-US" b="0" i="1" smtClean="0">
+                            <a:latin typeface="Cambria Math" panose="02040503050406030204" pitchFamily="18" charset="0"/>
+                          </a:rPr>
+                        </m:ctrlPr>
+                      </m:sSubSupPr>
+                      <m:e>
+                        <m:r>
+                          <a:rPr lang="en-US" b="0" i="1" smtClean="0">
+                            <a:latin typeface="Cambria Math" panose="02040503050406030204" pitchFamily="18" charset="0"/>
+                          </a:rPr>
+                          <m:t>𝛾</m:t>
+                        </m:r>
+                      </m:e>
+                      <m:sub>
+                        <m:r>
+                          <a:rPr lang="en-US" b="0" i="1" smtClean="0">
+                            <a:latin typeface="Cambria Math" panose="02040503050406030204" pitchFamily="18" charset="0"/>
+                          </a:rPr>
+                          <m:t>𝑖𝑗</m:t>
+                        </m:r>
+                      </m:sub>
+                      <m:sup>
+                        <m:r>
+                          <a:rPr lang="en-US" b="0" i="1" smtClean="0">
+                            <a:latin typeface="Cambria Math" panose="02040503050406030204" pitchFamily="18" charset="0"/>
+                          </a:rPr>
+                          <m:t>′</m:t>
+                        </m:r>
+                      </m:sup>
+                    </m:sSubSup>
+                    <m:r>
+                      <a:rPr lang="en-US" b="0" i="1" smtClean="0">
+                        <a:latin typeface="Cambria Math" panose="02040503050406030204" pitchFamily="18" charset="0"/>
+                      </a:rPr>
+                      <m:t>=</m:t>
+                    </m:r>
+                    <m:r>
+                      <a:rPr lang="en-US" b="0" i="1" smtClean="0">
+                        <a:latin typeface="Cambria Math" panose="02040503050406030204" pitchFamily="18" charset="0"/>
+                      </a:rPr>
+                      <m:t>𝛾</m:t>
+                    </m:r>
+                  </m:oMath>
+                </a14:m>
+                <a:r>
+                  <a:rPr lang="en-US" dirty="0"/>
+                  <a:t>, for a general case, we cannot find such a </a:t>
+                </a:r>
+                <a:r>
+                  <a:rPr lang="en-US" dirty="0" err="1"/>
+                  <a:t>Bogoliubov</a:t>
+                </a:r>
+                <a:r>
+                  <a:rPr lang="en-US" dirty="0"/>
+                  <a:t> transformation</a:t>
+                </a:r>
+              </a:p>
+              <a:p>
+                <a:pPr marL="285750" indent="-285750">
+                  <a:buFont typeface="Arial" panose="020B0604020202020204" pitchFamily="34" charset="0"/>
+                  <a:buChar char="•"/>
+                </a:pPr>
+                <a:r>
+                  <a:rPr lang="en-US" dirty="0"/>
+                  <a:t>What if we stretch the cavity adiabatically, can we reach a photon number entangled state of frequency  </a:t>
+                </a:r>
+                <a14:m>
+                  <m:oMath xmlns:m="http://schemas.openxmlformats.org/officeDocument/2006/math">
+                    <m:sSub>
+                      <m:sSubPr>
+                        <m:ctrlPr>
+                          <a:rPr lang="en-US" b="0" i="1" smtClean="0">
+                            <a:latin typeface="Cambria Math" panose="02040503050406030204" pitchFamily="18" charset="0"/>
+                          </a:rPr>
+                        </m:ctrlPr>
+                      </m:sSubPr>
+                      <m:e>
+                        <m:r>
+                          <a:rPr lang="en-US" b="0" i="1" smtClean="0">
+                            <a:latin typeface="Cambria Math" panose="02040503050406030204" pitchFamily="18" charset="0"/>
+                          </a:rPr>
+                          <m:t>𝜔</m:t>
+                        </m:r>
+                      </m:e>
+                      <m:sub>
+                        <m:r>
+                          <a:rPr lang="en-US" b="0" i="1" smtClean="0">
+                            <a:latin typeface="Cambria Math" panose="02040503050406030204" pitchFamily="18" charset="0"/>
+                          </a:rPr>
+                          <m:t>0</m:t>
+                        </m:r>
+                      </m:sub>
+                    </m:sSub>
+                  </m:oMath>
+                </a14:m>
+                <a:r>
+                  <a:rPr lang="en-US" dirty="0"/>
+                  <a:t> and </a:t>
+                </a:r>
+                <a14:m>
+                  <m:oMath xmlns:m="http://schemas.openxmlformats.org/officeDocument/2006/math">
+                    <m:r>
+                      <a:rPr lang="en-US" b="0" i="1" smtClean="0">
+                        <a:latin typeface="Cambria Math" panose="02040503050406030204" pitchFamily="18" charset="0"/>
+                      </a:rPr>
+                      <m:t>2</m:t>
+                    </m:r>
+                    <m:sSub>
+                      <m:sSubPr>
+                        <m:ctrlPr>
+                          <a:rPr lang="en-US" b="0" i="1" smtClean="0">
+                            <a:latin typeface="Cambria Math" panose="02040503050406030204" pitchFamily="18" charset="0"/>
+                          </a:rPr>
+                        </m:ctrlPr>
+                      </m:sSubPr>
+                      <m:e>
+                        <m:r>
+                          <a:rPr lang="en-US" b="0" i="1" smtClean="0">
+                            <a:latin typeface="Cambria Math" panose="02040503050406030204" pitchFamily="18" charset="0"/>
+                          </a:rPr>
+                          <m:t>𝜔</m:t>
+                        </m:r>
+                      </m:e>
+                      <m:sub>
+                        <m:r>
+                          <a:rPr lang="en-US" b="0" i="1" smtClean="0">
+                            <a:latin typeface="Cambria Math" panose="02040503050406030204" pitchFamily="18" charset="0"/>
+                          </a:rPr>
+                          <m:t>0</m:t>
+                        </m:r>
+                      </m:sub>
+                    </m:sSub>
+                  </m:oMath>
+                </a14:m>
+                <a:endParaRPr lang="en-US" dirty="0"/>
+              </a:p>
+            </p:txBody>
+          </p:sp>
+        </mc:Choice>
+        <mc:Fallback xmlns="">
+          <p:sp>
+            <p:nvSpPr>
+              <p:cNvPr id="2" name="TextBox 1">
+                <a:extLst>
+                  <a:ext uri="{FF2B5EF4-FFF2-40B4-BE49-F238E27FC236}">
+                    <a16:creationId xmlns:a16="http://schemas.microsoft.com/office/drawing/2014/main" id="{2D145155-BFAF-4AB1-AEA0-A9482235B61F}"/>
+                  </a:ext>
+                </a:extLst>
+              </p:cNvPr>
+              <p:cNvSpPr txBox="1">
+                <a:spLocks noRot="1" noChangeAspect="1" noMove="1" noResize="1" noEditPoints="1" noAdjustHandles="1" noChangeArrowheads="1" noChangeShapeType="1" noTextEdit="1"/>
+              </p:cNvSpPr>
+              <p:nvPr/>
+            </p:nvSpPr>
+            <p:spPr>
+              <a:xfrm>
+                <a:off x="7601684" y="4393616"/>
+                <a:ext cx="4419740" cy="1785874"/>
+              </a:xfrm>
+              <a:prstGeom prst="rect">
+                <a:avLst/>
+              </a:prstGeom>
+              <a:blipFill>
+                <a:blip r:embed="rId6"/>
+                <a:stretch>
+                  <a:fillRect l="-966" t="-1706" r="-1379" b="-4437"/>
+                </a:stretch>
+              </a:blipFill>
+            </p:spPr>
+            <p:txBody>
+              <a:bodyPr/>
+              <a:lstStyle/>
+              <a:p>
+                <a:r>
+                  <a:rPr lang="en-US">
+                    <a:noFill/>
+                  </a:rPr>
+                  <a:t> </a:t>
+                </a:r>
+              </a:p>
+            </p:txBody>
+          </p:sp>
+        </mc:Fallback>
+      </mc:AlternateContent>
     </p:spTree>
     <p:extLst>
       <p:ext uri="{BB962C8B-B14F-4D97-AF65-F5344CB8AC3E}">
@@ -4839,8 +5111,8 @@
           </a:fontRef>
         </p:style>
       </p:cxnSp>
-      <mc:AlternateContent xmlns:mc="http://schemas.openxmlformats.org/markup-compatibility/2006">
-        <mc:Choice xmlns:a14="http://schemas.microsoft.com/office/drawing/2010/main" Requires="a14">
+      <mc:AlternateContent xmlns:mc="http://schemas.openxmlformats.org/markup-compatibility/2006" xmlns:a14="http://schemas.microsoft.com/office/drawing/2010/main">
+        <mc:Choice Requires="a14">
           <p:sp>
             <p:nvSpPr>
               <p:cNvPr id="10" name="TextBox 9">
@@ -4869,6 +5141,7 @@
               </a:bodyPr>
               <a:lstStyle/>
               <a:p>
+                <a:pPr/>
                 <a14:m>
                   <m:oMathPara xmlns:m="http://schemas.openxmlformats.org/officeDocument/2006/math">
                     <m:oMathParaPr>
@@ -4939,7 +5212,7 @@
             </p:txBody>
           </p:sp>
         </mc:Choice>
-        <mc:Fallback>
+        <mc:Fallback xmlns="">
           <p:sp>
             <p:nvSpPr>
               <p:cNvPr id="10" name="TextBox 9">
@@ -5033,8 +5306,8 @@
           </a:p>
         </p:txBody>
       </p:sp>
-      <mc:AlternateContent xmlns:mc="http://schemas.openxmlformats.org/markup-compatibility/2006">
-        <mc:Choice xmlns:a14="http://schemas.microsoft.com/office/drawing/2010/main" Requires="a14">
+      <mc:AlternateContent xmlns:mc="http://schemas.openxmlformats.org/markup-compatibility/2006" xmlns:a14="http://schemas.microsoft.com/office/drawing/2010/main">
+        <mc:Choice Requires="a14">
           <p:sp>
             <p:nvSpPr>
               <p:cNvPr id="12" name="TextBox 11">
@@ -5063,6 +5336,7 @@
               </a:bodyPr>
               <a:lstStyle/>
               <a:p>
+                <a:pPr/>
                 <a14:m>
                   <m:oMathPara xmlns:m="http://schemas.openxmlformats.org/officeDocument/2006/math">
                     <m:oMathParaPr>
@@ -5133,7 +5407,7 @@
             </p:txBody>
           </p:sp>
         </mc:Choice>
-        <mc:Fallback>
+        <mc:Fallback xmlns="">
           <p:sp>
             <p:nvSpPr>
               <p:cNvPr id="12" name="TextBox 11">
@@ -5268,6 +5542,45 @@
           </a:prstGeom>
         </p:spPr>
       </p:pic>
+      <p:sp>
+        <p:nvSpPr>
+          <p:cNvPr id="2" name="TextBox 1">
+            <a:extLst>
+              <a:ext uri="{FF2B5EF4-FFF2-40B4-BE49-F238E27FC236}">
+                <a16:creationId xmlns:a16="http://schemas.microsoft.com/office/drawing/2014/main" id="{4C4BFB1F-CBA6-447D-B936-E574C24C3F14}"/>
+              </a:ext>
+            </a:extLst>
+          </p:cNvPr>
+          <p:cNvSpPr txBox="1"/>
+          <p:nvPr/>
+        </p:nvSpPr>
+        <p:spPr>
+          <a:xfrm>
+            <a:off x="7161854" y="5838738"/>
+            <a:ext cx="3681714" cy="369332"/>
+          </a:xfrm>
+          <a:prstGeom prst="rect">
+            <a:avLst/>
+          </a:prstGeom>
+          <a:noFill/>
+        </p:spPr>
+        <p:txBody>
+          <a:bodyPr wrap="none" rtlCol="0">
+            <a:spAutoFit/>
+          </a:bodyPr>
+          <a:lstStyle/>
+          <a:p>
+            <a:r>
+              <a:rPr lang="en-US" dirty="0"/>
+              <a:t>For N cavities, the result is </a:t>
+            </a:r>
+            <a:r>
+              <a:rPr lang="en-US"/>
+              <a:t>the same.</a:t>
+            </a:r>
+          </a:p>
+        </p:txBody>
+      </p:sp>
     </p:spTree>
     <p:extLst>
       <p:ext uri="{BB962C8B-B14F-4D97-AF65-F5344CB8AC3E}">

--- a/cavity-cavity interaction.pptx
+++ b/cavity-cavity interaction.pptx
@@ -274,7 +274,7 @@
           <a:p>
             <a:fld id="{EF99D8DD-7A94-46EE-9681-FFEE5AACB203}" type="datetimeFigureOut">
               <a:rPr lang="en-US" smtClean="0"/>
-              <a:t>9/21/2018</a:t>
+              <a:t>9/25/2018</a:t>
             </a:fld>
             <a:endParaRPr lang="en-US"/>
           </a:p>
@@ -472,7 +472,7 @@
           <a:p>
             <a:fld id="{EF99D8DD-7A94-46EE-9681-FFEE5AACB203}" type="datetimeFigureOut">
               <a:rPr lang="en-US" smtClean="0"/>
-              <a:t>9/21/2018</a:t>
+              <a:t>9/25/2018</a:t>
             </a:fld>
             <a:endParaRPr lang="en-US"/>
           </a:p>
@@ -680,7 +680,7 @@
           <a:p>
             <a:fld id="{EF99D8DD-7A94-46EE-9681-FFEE5AACB203}" type="datetimeFigureOut">
               <a:rPr lang="en-US" smtClean="0"/>
-              <a:t>9/21/2018</a:t>
+              <a:t>9/25/2018</a:t>
             </a:fld>
             <a:endParaRPr lang="en-US"/>
           </a:p>
@@ -878,7 +878,7 @@
           <a:p>
             <a:fld id="{EF99D8DD-7A94-46EE-9681-FFEE5AACB203}" type="datetimeFigureOut">
               <a:rPr lang="en-US" smtClean="0"/>
-              <a:t>9/21/2018</a:t>
+              <a:t>9/25/2018</a:t>
             </a:fld>
             <a:endParaRPr lang="en-US"/>
           </a:p>
@@ -1153,7 +1153,7 @@
           <a:p>
             <a:fld id="{EF99D8DD-7A94-46EE-9681-FFEE5AACB203}" type="datetimeFigureOut">
               <a:rPr lang="en-US" smtClean="0"/>
-              <a:t>9/21/2018</a:t>
+              <a:t>9/25/2018</a:t>
             </a:fld>
             <a:endParaRPr lang="en-US"/>
           </a:p>
@@ -1418,7 +1418,7 @@
           <a:p>
             <a:fld id="{EF99D8DD-7A94-46EE-9681-FFEE5AACB203}" type="datetimeFigureOut">
               <a:rPr lang="en-US" smtClean="0"/>
-              <a:t>9/21/2018</a:t>
+              <a:t>9/25/2018</a:t>
             </a:fld>
             <a:endParaRPr lang="en-US"/>
           </a:p>
@@ -1830,7 +1830,7 @@
           <a:p>
             <a:fld id="{EF99D8DD-7A94-46EE-9681-FFEE5AACB203}" type="datetimeFigureOut">
               <a:rPr lang="en-US" smtClean="0"/>
-              <a:t>9/21/2018</a:t>
+              <a:t>9/25/2018</a:t>
             </a:fld>
             <a:endParaRPr lang="en-US"/>
           </a:p>
@@ -1971,7 +1971,7 @@
           <a:p>
             <a:fld id="{EF99D8DD-7A94-46EE-9681-FFEE5AACB203}" type="datetimeFigureOut">
               <a:rPr lang="en-US" smtClean="0"/>
-              <a:t>9/21/2018</a:t>
+              <a:t>9/25/2018</a:t>
             </a:fld>
             <a:endParaRPr lang="en-US"/>
           </a:p>
@@ -2084,7 +2084,7 @@
           <a:p>
             <a:fld id="{EF99D8DD-7A94-46EE-9681-FFEE5AACB203}" type="datetimeFigureOut">
               <a:rPr lang="en-US" smtClean="0"/>
-              <a:t>9/21/2018</a:t>
+              <a:t>9/25/2018</a:t>
             </a:fld>
             <a:endParaRPr lang="en-US"/>
           </a:p>
@@ -2395,7 +2395,7 @@
           <a:p>
             <a:fld id="{EF99D8DD-7A94-46EE-9681-FFEE5AACB203}" type="datetimeFigureOut">
               <a:rPr lang="en-US" smtClean="0"/>
-              <a:t>9/21/2018</a:t>
+              <a:t>9/25/2018</a:t>
             </a:fld>
             <a:endParaRPr lang="en-US"/>
           </a:p>
@@ -2683,7 +2683,7 @@
           <a:p>
             <a:fld id="{EF99D8DD-7A94-46EE-9681-FFEE5AACB203}" type="datetimeFigureOut">
               <a:rPr lang="en-US" smtClean="0"/>
-              <a:t>9/21/2018</a:t>
+              <a:t>9/25/2018</a:t>
             </a:fld>
             <a:endParaRPr lang="en-US"/>
           </a:p>
@@ -2924,7 +2924,7 @@
           <a:p>
             <a:fld id="{EF99D8DD-7A94-46EE-9681-FFEE5AACB203}" type="datetimeFigureOut">
               <a:rPr lang="en-US" smtClean="0"/>
-              <a:t>9/21/2018</a:t>
+              <a:t>9/25/2018</a:t>
             </a:fld>
             <a:endParaRPr lang="en-US"/>
           </a:p>
@@ -3424,394 +3424,6 @@
           <a:chExt cx="0" cy="0"/>
         </a:xfrm>
       </p:grpSpPr>
-      <p:sp>
-        <p:nvSpPr>
-          <p:cNvPr id="7" name="Cube 6">
-            <a:extLst>
-              <a:ext uri="{FF2B5EF4-FFF2-40B4-BE49-F238E27FC236}">
-                <a16:creationId xmlns:a16="http://schemas.microsoft.com/office/drawing/2014/main" id="{72F40F8F-6973-4E48-B6C6-F185FE50A622}"/>
-              </a:ext>
-            </a:extLst>
-          </p:cNvPr>
-          <p:cNvSpPr/>
-          <p:nvPr/>
-        </p:nvSpPr>
-        <p:spPr>
-          <a:xfrm>
-            <a:off x="2169570" y="1737927"/>
-            <a:ext cx="5418246" cy="1317645"/>
-          </a:xfrm>
-          <a:prstGeom prst="cube">
-            <a:avLst/>
-          </a:prstGeom>
-        </p:spPr>
-        <p:style>
-          <a:lnRef idx="2">
-            <a:schemeClr val="dk1"/>
-          </a:lnRef>
-          <a:fillRef idx="1">
-            <a:schemeClr val="lt1"/>
-          </a:fillRef>
-          <a:effectRef idx="0">
-            <a:schemeClr val="dk1"/>
-          </a:effectRef>
-          <a:fontRef idx="minor">
-            <a:schemeClr val="dk1"/>
-          </a:fontRef>
-        </p:style>
-        <p:txBody>
-          <a:bodyPr rtlCol="0" anchor="ctr"/>
-          <a:lstStyle/>
-          <a:p>
-            <a:pPr algn="ctr"/>
-            <a:endParaRPr lang="en-US"/>
-          </a:p>
-        </p:txBody>
-      </p:sp>
-      <p:sp>
-        <p:nvSpPr>
-          <p:cNvPr id="8" name="Flowchart: Direct Access Storage 7">
-            <a:extLst>
-              <a:ext uri="{FF2B5EF4-FFF2-40B4-BE49-F238E27FC236}">
-                <a16:creationId xmlns:a16="http://schemas.microsoft.com/office/drawing/2014/main" id="{F05956E2-9056-40B8-A4C5-F98531033AB3}"/>
-              </a:ext>
-            </a:extLst>
-          </p:cNvPr>
-          <p:cNvSpPr/>
-          <p:nvPr/>
-        </p:nvSpPr>
-        <p:spPr>
-          <a:xfrm>
-            <a:off x="4256787" y="2217371"/>
-            <a:ext cx="789451" cy="373429"/>
-          </a:xfrm>
-          <a:prstGeom prst="flowChartMagneticDrum">
-            <a:avLst/>
-          </a:prstGeom>
-          <a:ln w="12700">
-            <a:solidFill>
-              <a:schemeClr val="tx1"/>
-            </a:solidFill>
-          </a:ln>
-        </p:spPr>
-        <p:style>
-          <a:lnRef idx="2">
-            <a:schemeClr val="accent6"/>
-          </a:lnRef>
-          <a:fillRef idx="1">
-            <a:schemeClr val="lt1"/>
-          </a:fillRef>
-          <a:effectRef idx="0">
-            <a:schemeClr val="accent6"/>
-          </a:effectRef>
-          <a:fontRef idx="minor">
-            <a:schemeClr val="dk1"/>
-          </a:fontRef>
-        </p:style>
-        <p:txBody>
-          <a:bodyPr rtlCol="0" anchor="ctr"/>
-          <a:lstStyle/>
-          <a:p>
-            <a:pPr algn="ctr"/>
-            <a:endParaRPr lang="en-US"/>
-          </a:p>
-        </p:txBody>
-      </p:sp>
-      <p:cxnSp>
-        <p:nvCxnSpPr>
-          <p:cNvPr id="10" name="Straight Arrow Connector 9">
-            <a:extLst>
-              <a:ext uri="{FF2B5EF4-FFF2-40B4-BE49-F238E27FC236}">
-                <a16:creationId xmlns:a16="http://schemas.microsoft.com/office/drawing/2014/main" id="{20463F97-3C99-4604-ACD8-697B3B0E3870}"/>
-              </a:ext>
-            </a:extLst>
-          </p:cNvPr>
-          <p:cNvCxnSpPr>
-            <a:cxnSpLocks/>
-          </p:cNvCxnSpPr>
-          <p:nvPr/>
-        </p:nvCxnSpPr>
-        <p:spPr>
-          <a:xfrm flipV="1">
-            <a:off x="1948070" y="2396749"/>
-            <a:ext cx="1198375" cy="170386"/>
-          </a:xfrm>
-          <a:prstGeom prst="straightConnector1">
-            <a:avLst/>
-          </a:prstGeom>
-          <a:ln w="38100">
-            <a:tailEnd type="triangle"/>
-          </a:ln>
-        </p:spPr>
-        <p:style>
-          <a:lnRef idx="3">
-            <a:schemeClr val="accent6"/>
-          </a:lnRef>
-          <a:fillRef idx="0">
-            <a:schemeClr val="accent6"/>
-          </a:fillRef>
-          <a:effectRef idx="2">
-            <a:schemeClr val="accent6"/>
-          </a:effectRef>
-          <a:fontRef idx="minor">
-            <a:schemeClr val="tx1"/>
-          </a:fontRef>
-        </p:style>
-      </p:cxnSp>
-      <p:cxnSp>
-        <p:nvCxnSpPr>
-          <p:cNvPr id="11" name="Straight Arrow Connector 10">
-            <a:extLst>
-              <a:ext uri="{FF2B5EF4-FFF2-40B4-BE49-F238E27FC236}">
-                <a16:creationId xmlns:a16="http://schemas.microsoft.com/office/drawing/2014/main" id="{EEB7609D-5B06-46A7-AAD3-83140E4E93D8}"/>
-              </a:ext>
-            </a:extLst>
-          </p:cNvPr>
-          <p:cNvCxnSpPr>
-            <a:cxnSpLocks/>
-          </p:cNvCxnSpPr>
-          <p:nvPr/>
-        </p:nvCxnSpPr>
-        <p:spPr>
-          <a:xfrm>
-            <a:off x="1948070" y="2567135"/>
-            <a:ext cx="829207" cy="118322"/>
-          </a:xfrm>
-          <a:prstGeom prst="straightConnector1">
-            <a:avLst/>
-          </a:prstGeom>
-          <a:ln w="38100">
-            <a:solidFill>
-              <a:srgbClr val="FF0000"/>
-            </a:solidFill>
-            <a:tailEnd type="triangle"/>
-          </a:ln>
-        </p:spPr>
-        <p:style>
-          <a:lnRef idx="3">
-            <a:schemeClr val="accent6"/>
-          </a:lnRef>
-          <a:fillRef idx="0">
-            <a:schemeClr val="accent6"/>
-          </a:fillRef>
-          <a:effectRef idx="2">
-            <a:schemeClr val="accent6"/>
-          </a:effectRef>
-          <a:fontRef idx="minor">
-            <a:schemeClr val="tx1"/>
-          </a:fontRef>
-        </p:style>
-      </p:cxnSp>
-      <p:cxnSp>
-        <p:nvCxnSpPr>
-          <p:cNvPr id="13" name="Straight Arrow Connector 12">
-            <a:extLst>
-              <a:ext uri="{FF2B5EF4-FFF2-40B4-BE49-F238E27FC236}">
-                <a16:creationId xmlns:a16="http://schemas.microsoft.com/office/drawing/2014/main" id="{22AE233B-3012-47EC-B952-06BDEA85A961}"/>
-              </a:ext>
-            </a:extLst>
-          </p:cNvPr>
-          <p:cNvCxnSpPr>
-            <a:cxnSpLocks/>
-          </p:cNvCxnSpPr>
-          <p:nvPr/>
-        </p:nvCxnSpPr>
-        <p:spPr>
-          <a:xfrm flipH="1" flipV="1">
-            <a:off x="6253134" y="2396749"/>
-            <a:ext cx="1083838" cy="85193"/>
-          </a:xfrm>
-          <a:prstGeom prst="straightConnector1">
-            <a:avLst/>
-          </a:prstGeom>
-          <a:ln w="38100">
-            <a:tailEnd type="triangle"/>
-          </a:ln>
-        </p:spPr>
-        <p:style>
-          <a:lnRef idx="3">
-            <a:schemeClr val="accent6"/>
-          </a:lnRef>
-          <a:fillRef idx="0">
-            <a:schemeClr val="accent6"/>
-          </a:fillRef>
-          <a:effectRef idx="2">
-            <a:schemeClr val="accent6"/>
-          </a:effectRef>
-          <a:fontRef idx="minor">
-            <a:schemeClr val="tx1"/>
-          </a:fontRef>
-        </p:style>
-      </p:cxnSp>
-      <p:cxnSp>
-        <p:nvCxnSpPr>
-          <p:cNvPr id="14" name="Straight Arrow Connector 13">
-            <a:extLst>
-              <a:ext uri="{FF2B5EF4-FFF2-40B4-BE49-F238E27FC236}">
-                <a16:creationId xmlns:a16="http://schemas.microsoft.com/office/drawing/2014/main" id="{20945134-BEB9-4A6C-B809-DF6E9F13AB80}"/>
-              </a:ext>
-            </a:extLst>
-          </p:cNvPr>
-          <p:cNvCxnSpPr>
-            <a:cxnSpLocks/>
-          </p:cNvCxnSpPr>
-          <p:nvPr/>
-        </p:nvCxnSpPr>
-        <p:spPr>
-          <a:xfrm flipH="1">
-            <a:off x="6576865" y="2496144"/>
-            <a:ext cx="715617" cy="189313"/>
-          </a:xfrm>
-          <a:prstGeom prst="straightConnector1">
-            <a:avLst/>
-          </a:prstGeom>
-          <a:ln w="38100">
-            <a:solidFill>
-              <a:srgbClr val="FF0000"/>
-            </a:solidFill>
-            <a:tailEnd type="triangle"/>
-          </a:ln>
-        </p:spPr>
-        <p:style>
-          <a:lnRef idx="3">
-            <a:schemeClr val="accent6"/>
-          </a:lnRef>
-          <a:fillRef idx="0">
-            <a:schemeClr val="accent6"/>
-          </a:fillRef>
-          <a:effectRef idx="2">
-            <a:schemeClr val="accent6"/>
-          </a:effectRef>
-          <a:fontRef idx="minor">
-            <a:schemeClr val="tx1"/>
-          </a:fontRef>
-        </p:style>
-      </p:cxnSp>
-      <mc:AlternateContent xmlns:mc="http://schemas.openxmlformats.org/markup-compatibility/2006" xmlns:a14="http://schemas.microsoft.com/office/drawing/2010/main">
-        <mc:Choice Requires="a14">
-          <p:sp>
-            <p:nvSpPr>
-              <p:cNvPr id="18" name="TextBox 17">
-                <a:extLst>
-                  <a:ext uri="{FF2B5EF4-FFF2-40B4-BE49-F238E27FC236}">
-                    <a16:creationId xmlns:a16="http://schemas.microsoft.com/office/drawing/2014/main" id="{DE088292-63DA-41D3-ABC5-FBCF76A891B2}"/>
-                  </a:ext>
-                </a:extLst>
-              </p:cNvPr>
-              <p:cNvSpPr txBox="1"/>
-              <p:nvPr/>
-            </p:nvSpPr>
-            <p:spPr>
-              <a:xfrm>
-                <a:off x="3856383" y="764713"/>
-                <a:ext cx="2448234" cy="369332"/>
-              </a:xfrm>
-              <a:prstGeom prst="rect">
-                <a:avLst/>
-              </a:prstGeom>
-              <a:noFill/>
-            </p:spPr>
-            <p:txBody>
-              <a:bodyPr wrap="none" rtlCol="0">
-                <a:spAutoFit/>
-              </a:bodyPr>
-              <a:lstStyle/>
-              <a:p>
-                <a:r>
-                  <a:rPr lang="en-US" b="0" dirty="0"/>
-                  <a:t>eigen frequency </a:t>
-                </a:r>
-                <a14:m>
-                  <m:oMath xmlns:m="http://schemas.openxmlformats.org/officeDocument/2006/math">
-                    <m:r>
-                      <a:rPr lang="en-US" b="0" i="1" smtClean="0">
-                        <a:latin typeface="Cambria Math" panose="02040503050406030204" pitchFamily="18" charset="0"/>
-                      </a:rPr>
-                      <m:t>𝜈</m:t>
-                    </m:r>
-                    <m:r>
-                      <a:rPr lang="en-US" b="0" i="1" smtClean="0">
-                        <a:latin typeface="Cambria Math" panose="02040503050406030204" pitchFamily="18" charset="0"/>
-                      </a:rPr>
-                      <m:t>=</m:t>
-                    </m:r>
-                    <m:sSub>
-                      <m:sSubPr>
-                        <m:ctrlPr>
-                          <a:rPr lang="en-US" b="0" i="1" smtClean="0">
-                            <a:latin typeface="Cambria Math" panose="02040503050406030204" pitchFamily="18" charset="0"/>
-                          </a:rPr>
-                        </m:ctrlPr>
-                      </m:sSubPr>
-                      <m:e>
-                        <m:r>
-                          <a:rPr lang="en-US" b="0" i="1" smtClean="0">
-                            <a:latin typeface="Cambria Math" panose="02040503050406030204" pitchFamily="18" charset="0"/>
-                          </a:rPr>
-                          <m:t>𝜔</m:t>
-                        </m:r>
-                      </m:e>
-                      <m:sub>
-                        <m:r>
-                          <a:rPr lang="en-US" b="0" i="1" smtClean="0">
-                            <a:latin typeface="Cambria Math" panose="02040503050406030204" pitchFamily="18" charset="0"/>
-                          </a:rPr>
-                          <m:t>0</m:t>
-                        </m:r>
-                      </m:sub>
-                    </m:sSub>
-                  </m:oMath>
-                </a14:m>
-                <a:endParaRPr lang="en-US" dirty="0"/>
-              </a:p>
-            </p:txBody>
-          </p:sp>
-        </mc:Choice>
-        <mc:Fallback xmlns="">
-          <p:sp>
-            <p:nvSpPr>
-              <p:cNvPr id="18" name="TextBox 17">
-                <a:extLst>
-                  <a:ext uri="{FF2B5EF4-FFF2-40B4-BE49-F238E27FC236}">
-                    <a16:creationId xmlns:a16="http://schemas.microsoft.com/office/drawing/2014/main" id="{DE088292-63DA-41D3-ABC5-FBCF76A891B2}"/>
-                  </a:ext>
-                </a:extLst>
-              </p:cNvPr>
-              <p:cNvSpPr txBox="1">
-                <a:spLocks noRot="1" noChangeAspect="1" noMove="1" noResize="1" noEditPoints="1" noAdjustHandles="1" noChangeArrowheads="1" noChangeShapeType="1" noTextEdit="1"/>
-              </p:cNvSpPr>
-              <p:nvPr/>
-            </p:nvSpPr>
-            <p:spPr>
-              <a:xfrm>
-                <a:off x="3856383" y="764713"/>
-                <a:ext cx="2448234" cy="369332"/>
-              </a:xfrm>
-              <a:prstGeom prst="rect">
-                <a:avLst/>
-              </a:prstGeom>
-              <a:blipFill>
-                <a:blip r:embed="rId2"/>
-                <a:stretch>
-                  <a:fillRect l="-2244" t="-8197" b="-24590"/>
-                </a:stretch>
-              </a:blipFill>
-            </p:spPr>
-            <p:txBody>
-              <a:bodyPr/>
-              <a:lstStyle/>
-              <a:p>
-                <a:r>
-                  <a:rPr lang="en-US">
-                    <a:noFill/>
-                  </a:rPr>
-                  <a:t> </a:t>
-                </a:r>
-              </a:p>
-            </p:txBody>
-          </p:sp>
-        </mc:Fallback>
-      </mc:AlternateContent>
       <p:pic>
         <p:nvPicPr>
           <p:cNvPr id="28" name="Picture 27">
@@ -3827,7 +3439,7 @@
           <p:nvPr/>
         </p:nvPicPr>
         <p:blipFill>
-          <a:blip r:embed="rId3"/>
+          <a:blip r:embed="rId2"/>
           <a:stretch>
             <a:fillRect/>
           </a:stretch>
@@ -3842,6 +3454,442 @@
           </a:prstGeom>
         </p:spPr>
       </p:pic>
+      <p:grpSp>
+        <p:nvGrpSpPr>
+          <p:cNvPr id="4" name="Group 3">
+            <a:extLst>
+              <a:ext uri="{FF2B5EF4-FFF2-40B4-BE49-F238E27FC236}">
+                <a16:creationId xmlns:a16="http://schemas.microsoft.com/office/drawing/2014/main" id="{AF133A31-E763-4964-A5B5-457D4B1F8B1C}"/>
+              </a:ext>
+            </a:extLst>
+          </p:cNvPr>
+          <p:cNvGrpSpPr/>
+          <p:nvPr/>
+        </p:nvGrpSpPr>
+        <p:grpSpPr>
+          <a:xfrm>
+            <a:off x="1139049" y="1134045"/>
+            <a:ext cx="9508041" cy="1940259"/>
+            <a:chOff x="1139049" y="1134045"/>
+            <a:chExt cx="9508041" cy="1940259"/>
+          </a:xfrm>
+        </p:grpSpPr>
+        <p:grpSp>
+          <p:nvGrpSpPr>
+            <p:cNvPr id="12" name="Group 11">
+              <a:extLst>
+                <a:ext uri="{FF2B5EF4-FFF2-40B4-BE49-F238E27FC236}">
+                  <a16:creationId xmlns:a16="http://schemas.microsoft.com/office/drawing/2014/main" id="{0F582084-1662-4238-97C5-30BD6E03C031}"/>
+                </a:ext>
+              </a:extLst>
+            </p:cNvPr>
+            <p:cNvGrpSpPr/>
+            <p:nvPr/>
+          </p:nvGrpSpPr>
+          <p:grpSpPr>
+            <a:xfrm>
+              <a:off x="1139049" y="1134045"/>
+              <a:ext cx="9508041" cy="1940259"/>
+              <a:chOff x="979029" y="2743823"/>
+              <a:chExt cx="9508041" cy="1940259"/>
+            </a:xfrm>
+          </p:grpSpPr>
+          <p:pic>
+            <p:nvPicPr>
+              <p:cNvPr id="15" name="Picture 14">
+                <a:extLst>
+                  <a:ext uri="{FF2B5EF4-FFF2-40B4-BE49-F238E27FC236}">
+                    <a16:creationId xmlns:a16="http://schemas.microsoft.com/office/drawing/2014/main" id="{C672EDC1-F0A5-417A-933F-F7751555A5AD}"/>
+                  </a:ext>
+                </a:extLst>
+              </p:cNvPr>
+              <p:cNvPicPr>
+                <a:picLocks noChangeAspect="1"/>
+              </p:cNvPicPr>
+              <p:nvPr/>
+            </p:nvPicPr>
+            <p:blipFill>
+              <a:blip r:embed="rId3"/>
+              <a:stretch>
+                <a:fillRect/>
+              </a:stretch>
+            </p:blipFill>
+            <p:spPr>
+              <a:xfrm>
+                <a:off x="979029" y="2743823"/>
+                <a:ext cx="9508041" cy="1940259"/>
+              </a:xfrm>
+              <a:prstGeom prst="rect">
+                <a:avLst/>
+              </a:prstGeom>
+            </p:spPr>
+          </p:pic>
+          <p:sp>
+            <p:nvSpPr>
+              <p:cNvPr id="16" name="Rectangle 15">
+                <a:extLst>
+                  <a:ext uri="{FF2B5EF4-FFF2-40B4-BE49-F238E27FC236}">
+                    <a16:creationId xmlns:a16="http://schemas.microsoft.com/office/drawing/2014/main" id="{88810BCF-379E-41DD-ABB7-4C2E492F64DA}"/>
+                  </a:ext>
+                </a:extLst>
+              </p:cNvPr>
+              <p:cNvSpPr/>
+              <p:nvPr/>
+            </p:nvSpPr>
+            <p:spPr>
+              <a:xfrm>
+                <a:off x="6408413" y="3797086"/>
+                <a:ext cx="439859" cy="477079"/>
+              </a:xfrm>
+              <a:prstGeom prst="rect">
+                <a:avLst/>
+              </a:prstGeom>
+              <a:noFill/>
+              <a:ln>
+                <a:noFill/>
+              </a:ln>
+            </p:spPr>
+            <p:style>
+              <a:lnRef idx="2">
+                <a:schemeClr val="dk1"/>
+              </a:lnRef>
+              <a:fillRef idx="1">
+                <a:schemeClr val="lt1"/>
+              </a:fillRef>
+              <a:effectRef idx="0">
+                <a:schemeClr val="dk1"/>
+              </a:effectRef>
+              <a:fontRef idx="minor">
+                <a:schemeClr val="dk1"/>
+              </a:fontRef>
+            </p:style>
+            <p:txBody>
+              <a:bodyPr rtlCol="0" anchor="ctr"/>
+              <a:lstStyle/>
+              <a:p>
+                <a:pPr algn="ctr"/>
+                <a:endParaRPr lang="en-US" dirty="0"/>
+              </a:p>
+            </p:txBody>
+          </p:sp>
+          <p:sp>
+            <p:nvSpPr>
+              <p:cNvPr id="17" name="Rectangle 16">
+                <a:extLst>
+                  <a:ext uri="{FF2B5EF4-FFF2-40B4-BE49-F238E27FC236}">
+                    <a16:creationId xmlns:a16="http://schemas.microsoft.com/office/drawing/2014/main" id="{9A962CC3-46AE-4C68-AEE8-5510D4290E90}"/>
+                  </a:ext>
+                </a:extLst>
+              </p:cNvPr>
+              <p:cNvSpPr/>
+              <p:nvPr/>
+            </p:nvSpPr>
+            <p:spPr>
+              <a:xfrm>
+                <a:off x="6408413" y="3713952"/>
+                <a:ext cx="612842" cy="632297"/>
+              </a:xfrm>
+              <a:prstGeom prst="rect">
+                <a:avLst/>
+              </a:prstGeom>
+              <a:solidFill>
+                <a:schemeClr val="bg1"/>
+              </a:solidFill>
+              <a:ln>
+                <a:noFill/>
+              </a:ln>
+            </p:spPr>
+            <p:style>
+              <a:lnRef idx="2">
+                <a:schemeClr val="accent1">
+                  <a:shade val="50000"/>
+                </a:schemeClr>
+              </a:lnRef>
+              <a:fillRef idx="1">
+                <a:schemeClr val="accent1"/>
+              </a:fillRef>
+              <a:effectRef idx="0">
+                <a:schemeClr val="accent1"/>
+              </a:effectRef>
+              <a:fontRef idx="minor">
+                <a:schemeClr val="lt1"/>
+              </a:fontRef>
+            </p:style>
+            <p:txBody>
+              <a:bodyPr rtlCol="0" anchor="ctr"/>
+              <a:lstStyle/>
+              <a:p>
+                <a:pPr algn="ctr"/>
+                <a:endParaRPr lang="en-US"/>
+              </a:p>
+            </p:txBody>
+          </p:sp>
+          <p:sp>
+            <p:nvSpPr>
+              <p:cNvPr id="19" name="Rectangle 18">
+                <a:extLst>
+                  <a:ext uri="{FF2B5EF4-FFF2-40B4-BE49-F238E27FC236}">
+                    <a16:creationId xmlns:a16="http://schemas.microsoft.com/office/drawing/2014/main" id="{14A8E89F-39DC-4916-B601-CE83FAB747C4}"/>
+                  </a:ext>
+                </a:extLst>
+              </p:cNvPr>
+              <p:cNvSpPr/>
+              <p:nvPr/>
+            </p:nvSpPr>
+            <p:spPr>
+              <a:xfrm>
+                <a:off x="3963528" y="3641868"/>
+                <a:ext cx="1026762" cy="704381"/>
+              </a:xfrm>
+              <a:prstGeom prst="rect">
+                <a:avLst/>
+              </a:prstGeom>
+              <a:solidFill>
+                <a:schemeClr val="bg1"/>
+              </a:solidFill>
+              <a:ln>
+                <a:noFill/>
+              </a:ln>
+            </p:spPr>
+            <p:style>
+              <a:lnRef idx="2">
+                <a:schemeClr val="accent1">
+                  <a:shade val="50000"/>
+                </a:schemeClr>
+              </a:lnRef>
+              <a:fillRef idx="1">
+                <a:schemeClr val="accent1"/>
+              </a:fillRef>
+              <a:effectRef idx="0">
+                <a:schemeClr val="accent1"/>
+              </a:effectRef>
+              <a:fontRef idx="minor">
+                <a:schemeClr val="lt1"/>
+              </a:fontRef>
+            </p:style>
+            <p:txBody>
+              <a:bodyPr rtlCol="0" anchor="ctr"/>
+              <a:lstStyle/>
+              <a:p>
+                <a:pPr algn="ctr"/>
+                <a:endParaRPr lang="en-US"/>
+              </a:p>
+            </p:txBody>
+          </p:sp>
+        </p:grpSp>
+        <p:sp>
+          <p:nvSpPr>
+            <p:cNvPr id="8" name="Flowchart: Direct Access Storage 7">
+              <a:extLst>
+                <a:ext uri="{FF2B5EF4-FFF2-40B4-BE49-F238E27FC236}">
+                  <a16:creationId xmlns:a16="http://schemas.microsoft.com/office/drawing/2014/main" id="{F05956E2-9056-40B8-A4C5-F98531033AB3}"/>
+                </a:ext>
+              </a:extLst>
+            </p:cNvPr>
+            <p:cNvSpPr/>
+            <p:nvPr/>
+          </p:nvSpPr>
+          <p:spPr>
+            <a:xfrm>
+              <a:off x="5526579" y="2032090"/>
+              <a:ext cx="612842" cy="414947"/>
+            </a:xfrm>
+            <a:prstGeom prst="flowChartMagneticDrum">
+              <a:avLst/>
+            </a:prstGeom>
+            <a:ln w="12700">
+              <a:solidFill>
+                <a:schemeClr val="tx1"/>
+              </a:solidFill>
+            </a:ln>
+          </p:spPr>
+          <p:style>
+            <a:lnRef idx="2">
+              <a:schemeClr val="accent6"/>
+            </a:lnRef>
+            <a:fillRef idx="1">
+              <a:schemeClr val="lt1"/>
+            </a:fillRef>
+            <a:effectRef idx="0">
+              <a:schemeClr val="accent6"/>
+            </a:effectRef>
+            <a:fontRef idx="minor">
+              <a:schemeClr val="dk1"/>
+            </a:fontRef>
+          </p:style>
+          <p:txBody>
+            <a:bodyPr rtlCol="0" anchor="ctr"/>
+            <a:lstStyle/>
+            <a:p>
+              <a:pPr algn="ctr"/>
+              <a:endParaRPr lang="en-US"/>
+            </a:p>
+          </p:txBody>
+        </p:sp>
+        <p:sp>
+          <p:nvSpPr>
+            <p:cNvPr id="20" name="Flowchart: Direct Access Storage 19">
+              <a:extLst>
+                <a:ext uri="{FF2B5EF4-FFF2-40B4-BE49-F238E27FC236}">
+                  <a16:creationId xmlns:a16="http://schemas.microsoft.com/office/drawing/2014/main" id="{48113EE9-00E7-465A-9450-A6352C98339B}"/>
+                </a:ext>
+              </a:extLst>
+            </p:cNvPr>
+            <p:cNvSpPr/>
+            <p:nvPr/>
+          </p:nvSpPr>
+          <p:spPr>
+            <a:xfrm>
+              <a:off x="4647782" y="2032090"/>
+              <a:ext cx="612842" cy="414947"/>
+            </a:xfrm>
+            <a:prstGeom prst="flowChartMagneticDrum">
+              <a:avLst/>
+            </a:prstGeom>
+            <a:ln w="12700">
+              <a:solidFill>
+                <a:schemeClr val="tx1"/>
+              </a:solidFill>
+            </a:ln>
+          </p:spPr>
+          <p:style>
+            <a:lnRef idx="2">
+              <a:schemeClr val="accent6"/>
+            </a:lnRef>
+            <a:fillRef idx="1">
+              <a:schemeClr val="lt1"/>
+            </a:fillRef>
+            <a:effectRef idx="0">
+              <a:schemeClr val="accent6"/>
+            </a:effectRef>
+            <a:fontRef idx="minor">
+              <a:schemeClr val="dk1"/>
+            </a:fontRef>
+          </p:style>
+          <p:txBody>
+            <a:bodyPr rtlCol="0" anchor="ctr"/>
+            <a:lstStyle/>
+            <a:p>
+              <a:pPr algn="ctr"/>
+              <a:endParaRPr lang="en-US"/>
+            </a:p>
+          </p:txBody>
+        </p:sp>
+        <mc:AlternateContent xmlns:mc="http://schemas.openxmlformats.org/markup-compatibility/2006">
+          <mc:Choice xmlns:a14="http://schemas.microsoft.com/office/drawing/2010/main" Requires="a14">
+            <p:sp>
+              <p:nvSpPr>
+                <p:cNvPr id="2" name="TextBox 1">
+                  <a:extLst>
+                    <a:ext uri="{FF2B5EF4-FFF2-40B4-BE49-F238E27FC236}">
+                      <a16:creationId xmlns:a16="http://schemas.microsoft.com/office/drawing/2014/main" id="{244E1EA4-05EB-4838-8CCE-40A34C40AED7}"/>
+                    </a:ext>
+                  </a:extLst>
+                </p:cNvPr>
+                <p:cNvSpPr txBox="1"/>
+                <p:nvPr/>
+              </p:nvSpPr>
+              <p:spPr>
+                <a:xfrm>
+                  <a:off x="4750211" y="2251360"/>
+                  <a:ext cx="513667" cy="523220"/>
+                </a:xfrm>
+                <a:prstGeom prst="rect">
+                  <a:avLst/>
+                </a:prstGeom>
+                <a:noFill/>
+              </p:spPr>
+              <p:txBody>
+                <a:bodyPr wrap="none" rtlCol="0">
+                  <a:spAutoFit/>
+                </a:bodyPr>
+                <a:lstStyle/>
+                <a:p>
+                  <a14:m>
+                    <m:oMathPara xmlns:m="http://schemas.openxmlformats.org/officeDocument/2006/math">
+                      <m:oMathParaPr>
+                        <m:jc m:val="centerGroup"/>
+                      </m:oMathParaPr>
+                      <m:oMath xmlns:m="http://schemas.openxmlformats.org/officeDocument/2006/math">
+                        <m:sSub>
+                          <m:sSubPr>
+                            <m:ctrlPr>
+                              <a:rPr lang="en-US" sz="2800" b="0" i="1" dirty="0" smtClean="0">
+                                <a:latin typeface="Cambria Math" panose="02040503050406030204" pitchFamily="18" charset="0"/>
+                              </a:rPr>
+                            </m:ctrlPr>
+                          </m:sSubPr>
+                          <m:e>
+                            <m:r>
+                              <a:rPr lang="en-US" sz="2800" b="0" i="1" dirty="0" smtClean="0">
+                                <a:latin typeface="Cambria Math" panose="02040503050406030204" pitchFamily="18" charset="0"/>
+                              </a:rPr>
+                              <m:t>𝑟</m:t>
+                            </m:r>
+                          </m:e>
+                          <m:sub>
+                            <m:r>
+                              <a:rPr lang="en-US" sz="2800" b="0" i="1" dirty="0" smtClean="0">
+                                <a:latin typeface="Cambria Math" panose="02040503050406030204" pitchFamily="18" charset="0"/>
+                              </a:rPr>
+                              <m:t>𝑖</m:t>
+                            </m:r>
+                          </m:sub>
+                        </m:sSub>
+                      </m:oMath>
+                    </m:oMathPara>
+                  </a14:m>
+                  <a:endParaRPr lang="en-US" sz="2800" dirty="0"/>
+                </a:p>
+              </p:txBody>
+            </p:sp>
+          </mc:Choice>
+          <mc:Fallback>
+            <p:sp>
+              <p:nvSpPr>
+                <p:cNvPr id="2" name="TextBox 1">
+                  <a:extLst>
+                    <a:ext uri="{FF2B5EF4-FFF2-40B4-BE49-F238E27FC236}">
+                      <a16:creationId xmlns:a16="http://schemas.microsoft.com/office/drawing/2014/main" id="{244E1EA4-05EB-4838-8CCE-40A34C40AED7}"/>
+                    </a:ext>
+                  </a:extLst>
+                </p:cNvPr>
+                <p:cNvSpPr txBox="1">
+                  <a:spLocks noRot="1" noChangeAspect="1" noMove="1" noResize="1" noEditPoints="1" noAdjustHandles="1" noChangeArrowheads="1" noChangeShapeType="1" noTextEdit="1"/>
+                </p:cNvSpPr>
+                <p:nvPr/>
+              </p:nvSpPr>
+              <p:spPr>
+                <a:xfrm>
+                  <a:off x="4750211" y="2251360"/>
+                  <a:ext cx="513667" cy="523220"/>
+                </a:xfrm>
+                <a:prstGeom prst="rect">
+                  <a:avLst/>
+                </a:prstGeom>
+                <a:blipFill>
+                  <a:blip r:embed="rId4"/>
+                  <a:stretch>
+                    <a:fillRect/>
+                  </a:stretch>
+                </a:blipFill>
+              </p:spPr>
+              <p:txBody>
+                <a:bodyPr/>
+                <a:lstStyle/>
+                <a:p>
+                  <a:r>
+                    <a:rPr lang="en-US">
+                      <a:noFill/>
+                    </a:rPr>
+                    <a:t> </a:t>
+                  </a:r>
+                </a:p>
+              </p:txBody>
+            </p:sp>
+          </mc:Fallback>
+        </mc:AlternateContent>
+      </p:grpSp>
     </p:spTree>
     <p:extLst>
       <p:ext uri="{BB962C8B-B14F-4D97-AF65-F5344CB8AC3E}">

--- a/cavity-cavity interaction.pptx
+++ b/cavity-cavity interaction.pptx
@@ -9,6 +9,7 @@
     <p:sldId id="257" r:id="rId3"/>
     <p:sldId id="258" r:id="rId4"/>
     <p:sldId id="259" r:id="rId5"/>
+    <p:sldId id="260" r:id="rId6"/>
   </p:sldIdLst>
   <p:sldSz cx="12192000" cy="6858000"/>
   <p:notesSz cx="6858000" cy="9144000"/>
@@ -274,7 +275,7 @@
           <a:p>
             <a:fld id="{EF99D8DD-7A94-46EE-9681-FFEE5AACB203}" type="datetimeFigureOut">
               <a:rPr lang="en-US" smtClean="0"/>
-              <a:t>9/25/2018</a:t>
+              <a:t>10/8/2018</a:t>
             </a:fld>
             <a:endParaRPr lang="en-US"/>
           </a:p>
@@ -472,7 +473,7 @@
           <a:p>
             <a:fld id="{EF99D8DD-7A94-46EE-9681-FFEE5AACB203}" type="datetimeFigureOut">
               <a:rPr lang="en-US" smtClean="0"/>
-              <a:t>9/25/2018</a:t>
+              <a:t>10/8/2018</a:t>
             </a:fld>
             <a:endParaRPr lang="en-US"/>
           </a:p>
@@ -680,7 +681,7 @@
           <a:p>
             <a:fld id="{EF99D8DD-7A94-46EE-9681-FFEE5AACB203}" type="datetimeFigureOut">
               <a:rPr lang="en-US" smtClean="0"/>
-              <a:t>9/25/2018</a:t>
+              <a:t>10/8/2018</a:t>
             </a:fld>
             <a:endParaRPr lang="en-US"/>
           </a:p>
@@ -878,7 +879,7 @@
           <a:p>
             <a:fld id="{EF99D8DD-7A94-46EE-9681-FFEE5AACB203}" type="datetimeFigureOut">
               <a:rPr lang="en-US" smtClean="0"/>
-              <a:t>9/25/2018</a:t>
+              <a:t>10/8/2018</a:t>
             </a:fld>
             <a:endParaRPr lang="en-US"/>
           </a:p>
@@ -1153,7 +1154,7 @@
           <a:p>
             <a:fld id="{EF99D8DD-7A94-46EE-9681-FFEE5AACB203}" type="datetimeFigureOut">
               <a:rPr lang="en-US" smtClean="0"/>
-              <a:t>9/25/2018</a:t>
+              <a:t>10/8/2018</a:t>
             </a:fld>
             <a:endParaRPr lang="en-US"/>
           </a:p>
@@ -1418,7 +1419,7 @@
           <a:p>
             <a:fld id="{EF99D8DD-7A94-46EE-9681-FFEE5AACB203}" type="datetimeFigureOut">
               <a:rPr lang="en-US" smtClean="0"/>
-              <a:t>9/25/2018</a:t>
+              <a:t>10/8/2018</a:t>
             </a:fld>
             <a:endParaRPr lang="en-US"/>
           </a:p>
@@ -1830,7 +1831,7 @@
           <a:p>
             <a:fld id="{EF99D8DD-7A94-46EE-9681-FFEE5AACB203}" type="datetimeFigureOut">
               <a:rPr lang="en-US" smtClean="0"/>
-              <a:t>9/25/2018</a:t>
+              <a:t>10/8/2018</a:t>
             </a:fld>
             <a:endParaRPr lang="en-US"/>
           </a:p>
@@ -1971,7 +1972,7 @@
           <a:p>
             <a:fld id="{EF99D8DD-7A94-46EE-9681-FFEE5AACB203}" type="datetimeFigureOut">
               <a:rPr lang="en-US" smtClean="0"/>
-              <a:t>9/25/2018</a:t>
+              <a:t>10/8/2018</a:t>
             </a:fld>
             <a:endParaRPr lang="en-US"/>
           </a:p>
@@ -2084,7 +2085,7 @@
           <a:p>
             <a:fld id="{EF99D8DD-7A94-46EE-9681-FFEE5AACB203}" type="datetimeFigureOut">
               <a:rPr lang="en-US" smtClean="0"/>
-              <a:t>9/25/2018</a:t>
+              <a:t>10/8/2018</a:t>
             </a:fld>
             <a:endParaRPr lang="en-US"/>
           </a:p>
@@ -2395,7 +2396,7 @@
           <a:p>
             <a:fld id="{EF99D8DD-7A94-46EE-9681-FFEE5AACB203}" type="datetimeFigureOut">
               <a:rPr lang="en-US" smtClean="0"/>
-              <a:t>9/25/2018</a:t>
+              <a:t>10/8/2018</a:t>
             </a:fld>
             <a:endParaRPr lang="en-US"/>
           </a:p>
@@ -2683,7 +2684,7 @@
           <a:p>
             <a:fld id="{EF99D8DD-7A94-46EE-9681-FFEE5AACB203}" type="datetimeFigureOut">
               <a:rPr lang="en-US" smtClean="0"/>
-              <a:t>9/25/2018</a:t>
+              <a:t>10/8/2018</a:t>
             </a:fld>
             <a:endParaRPr lang="en-US"/>
           </a:p>
@@ -2924,7 +2925,7 @@
           <a:p>
             <a:fld id="{EF99D8DD-7A94-46EE-9681-FFEE5AACB203}" type="datetimeFigureOut">
               <a:rPr lang="en-US" smtClean="0"/>
-              <a:t>9/25/2018</a:t>
+              <a:t>10/8/2018</a:t>
             </a:fld>
             <a:endParaRPr lang="en-US"/>
           </a:p>
@@ -3775,8 +3776,8 @@
             </a:p>
           </p:txBody>
         </p:sp>
-        <mc:AlternateContent xmlns:mc="http://schemas.openxmlformats.org/markup-compatibility/2006">
-          <mc:Choice xmlns:a14="http://schemas.microsoft.com/office/drawing/2010/main" Requires="a14">
+        <mc:AlternateContent xmlns:mc="http://schemas.openxmlformats.org/markup-compatibility/2006" xmlns:a14="http://schemas.microsoft.com/office/drawing/2010/main">
+          <mc:Choice Requires="a14">
             <p:sp>
               <p:nvSpPr>
                 <p:cNvPr id="2" name="TextBox 1">
@@ -3805,6 +3806,7 @@
                 </a:bodyPr>
                 <a:lstStyle/>
                 <a:p>
+                  <a:pPr/>
                   <a14:m>
                     <m:oMathPara xmlns:m="http://schemas.openxmlformats.org/officeDocument/2006/math">
                       <m:oMathParaPr>
@@ -3844,7 +3846,7 @@
               </p:txBody>
             </p:sp>
           </mc:Choice>
-          <mc:Fallback>
+          <mc:Fallback xmlns="">
             <p:sp>
               <p:nvSpPr>
                 <p:cNvPr id="2" name="TextBox 1">
@@ -5605,7 +5607,7 @@
         <p:spPr>
           <a:xfrm>
             <a:off x="7161854" y="5838738"/>
-            <a:ext cx="3681714" cy="369332"/>
+            <a:ext cx="2450351" cy="369332"/>
           </a:xfrm>
           <a:prstGeom prst="rect">
             <a:avLst/>
@@ -5620,11 +5622,7 @@
           <a:p>
             <a:r>
               <a:rPr lang="en-US" dirty="0"/>
-              <a:t>For N cavities, the result is </a:t>
-            </a:r>
-            <a:r>
-              <a:rPr lang="en-US"/>
-              <a:t>the same.</a:t>
+              <a:t>This is just one solution!</a:t>
             </a:r>
           </a:p>
         </p:txBody>
@@ -5633,6 +5631,219 @@
     <p:extLst>
       <p:ext uri="{BB962C8B-B14F-4D97-AF65-F5344CB8AC3E}">
         <p14:creationId xmlns:p14="http://schemas.microsoft.com/office/powerpoint/2010/main" val="3555689704"/>
+      </p:ext>
+    </p:extLst>
+  </p:cSld>
+  <p:clrMapOvr>
+    <a:masterClrMapping/>
+  </p:clrMapOvr>
+</p:sld>
+</file>
+
+<file path=ppt/slides/slide5.xml><?xml version="1.0" encoding="utf-8"?>
+<p:sld xmlns:a="http://schemas.openxmlformats.org/drawingml/2006/main" xmlns:r="http://schemas.openxmlformats.org/officeDocument/2006/relationships" xmlns:p="http://schemas.openxmlformats.org/presentationml/2006/main">
+  <p:cSld>
+    <p:spTree>
+      <p:nvGrpSpPr>
+        <p:cNvPr id="1" name=""/>
+        <p:cNvGrpSpPr/>
+        <p:nvPr/>
+      </p:nvGrpSpPr>
+      <p:grpSpPr>
+        <a:xfrm>
+          <a:off x="0" y="0"/>
+          <a:ext cx="0" cy="0"/>
+          <a:chOff x="0" y="0"/>
+          <a:chExt cx="0" cy="0"/>
+        </a:xfrm>
+      </p:grpSpPr>
+      <p:sp>
+        <p:nvSpPr>
+          <p:cNvPr id="2" name="Title 1">
+            <a:extLst>
+              <a:ext uri="{FF2B5EF4-FFF2-40B4-BE49-F238E27FC236}">
+                <a16:creationId xmlns:a16="http://schemas.microsoft.com/office/drawing/2014/main" id="{BEF570C0-163A-4D6B-9E7F-FFCC789C4BB1}"/>
+              </a:ext>
+            </a:extLst>
+          </p:cNvPr>
+          <p:cNvSpPr>
+            <a:spLocks noGrp="1"/>
+          </p:cNvSpPr>
+          <p:nvPr>
+            <p:ph type="title"/>
+          </p:nvPr>
+        </p:nvSpPr>
+        <p:spPr>
+          <a:xfrm>
+            <a:off x="853867" y="0"/>
+            <a:ext cx="10515600" cy="1325563"/>
+          </a:xfrm>
+        </p:spPr>
+        <p:txBody>
+          <a:bodyPr/>
+          <a:lstStyle/>
+          <a:p>
+            <a:r>
+              <a:rPr lang="en-US" dirty="0"/>
+              <a:t>general solution:</a:t>
+            </a:r>
+          </a:p>
+        </p:txBody>
+      </p:sp>
+      <p:pic>
+        <p:nvPicPr>
+          <p:cNvPr id="5" name="Picture 4">
+            <a:extLst>
+              <a:ext uri="{FF2B5EF4-FFF2-40B4-BE49-F238E27FC236}">
+                <a16:creationId xmlns:a16="http://schemas.microsoft.com/office/drawing/2014/main" id="{408169CC-5A32-48B8-9C77-CB619654DC47}"/>
+              </a:ext>
+            </a:extLst>
+          </p:cNvPr>
+          <p:cNvPicPr>
+            <a:picLocks noChangeAspect="1"/>
+          </p:cNvPicPr>
+          <p:nvPr/>
+        </p:nvPicPr>
+        <p:blipFill>
+          <a:blip r:embed="rId2"/>
+          <a:stretch>
+            <a:fillRect/>
+          </a:stretch>
+        </p:blipFill>
+        <p:spPr>
+          <a:xfrm>
+            <a:off x="511727" y="3546321"/>
+            <a:ext cx="7090673" cy="1976494"/>
+          </a:xfrm>
+          <a:prstGeom prst="rect">
+            <a:avLst/>
+          </a:prstGeom>
+        </p:spPr>
+      </p:pic>
+      <p:pic>
+        <p:nvPicPr>
+          <p:cNvPr id="6" name="Picture 5">
+            <a:extLst>
+              <a:ext uri="{FF2B5EF4-FFF2-40B4-BE49-F238E27FC236}">
+                <a16:creationId xmlns:a16="http://schemas.microsoft.com/office/drawing/2014/main" id="{5674908A-ABDA-4B3C-95CB-79A61773C83E}"/>
+              </a:ext>
+            </a:extLst>
+          </p:cNvPr>
+          <p:cNvPicPr>
+            <a:picLocks noChangeAspect="1"/>
+          </p:cNvPicPr>
+          <p:nvPr/>
+        </p:nvPicPr>
+        <p:blipFill>
+          <a:blip r:embed="rId3"/>
+          <a:stretch>
+            <a:fillRect/>
+          </a:stretch>
+        </p:blipFill>
+        <p:spPr>
+          <a:xfrm>
+            <a:off x="687897" y="997871"/>
+            <a:ext cx="6425966" cy="2548450"/>
+          </a:xfrm>
+          <a:prstGeom prst="rect">
+            <a:avLst/>
+          </a:prstGeom>
+        </p:spPr>
+      </p:pic>
+      <p:pic>
+        <p:nvPicPr>
+          <p:cNvPr id="8" name="Picture 7">
+            <a:extLst>
+              <a:ext uri="{FF2B5EF4-FFF2-40B4-BE49-F238E27FC236}">
+                <a16:creationId xmlns:a16="http://schemas.microsoft.com/office/drawing/2014/main" id="{B335466F-E7C0-4D05-9963-B7472816B7A6}"/>
+              </a:ext>
+            </a:extLst>
+          </p:cNvPr>
+          <p:cNvPicPr>
+            <a:picLocks noChangeAspect="1"/>
+          </p:cNvPicPr>
+          <p:nvPr/>
+        </p:nvPicPr>
+        <p:blipFill>
+          <a:blip r:embed="rId4"/>
+          <a:stretch>
+            <a:fillRect/>
+          </a:stretch>
+        </p:blipFill>
+        <p:spPr>
+          <a:xfrm>
+            <a:off x="426377" y="5522815"/>
+            <a:ext cx="7261371" cy="2045457"/>
+          </a:xfrm>
+          <a:prstGeom prst="rect">
+            <a:avLst/>
+          </a:prstGeom>
+        </p:spPr>
+      </p:pic>
+      <p:pic>
+        <p:nvPicPr>
+          <p:cNvPr id="9" name="Picture 8">
+            <a:extLst>
+              <a:ext uri="{FF2B5EF4-FFF2-40B4-BE49-F238E27FC236}">
+                <a16:creationId xmlns:a16="http://schemas.microsoft.com/office/drawing/2014/main" id="{01D34455-0149-4E04-9934-259916648F10}"/>
+              </a:ext>
+            </a:extLst>
+          </p:cNvPr>
+          <p:cNvPicPr>
+            <a:picLocks noChangeAspect="1"/>
+          </p:cNvPicPr>
+          <p:nvPr/>
+        </p:nvPicPr>
+        <p:blipFill>
+          <a:blip r:embed="rId5"/>
+          <a:stretch>
+            <a:fillRect/>
+          </a:stretch>
+        </p:blipFill>
+        <p:spPr>
+          <a:xfrm>
+            <a:off x="7396906" y="1054044"/>
+            <a:ext cx="4721404" cy="446820"/>
+          </a:xfrm>
+          <a:prstGeom prst="rect">
+            <a:avLst/>
+          </a:prstGeom>
+        </p:spPr>
+      </p:pic>
+      <p:pic>
+        <p:nvPicPr>
+          <p:cNvPr id="10" name="Picture 9">
+            <a:extLst>
+              <a:ext uri="{FF2B5EF4-FFF2-40B4-BE49-F238E27FC236}">
+                <a16:creationId xmlns:a16="http://schemas.microsoft.com/office/drawing/2014/main" id="{76472419-F8BD-4DCA-8FF9-B22419B148C7}"/>
+              </a:ext>
+            </a:extLst>
+          </p:cNvPr>
+          <p:cNvPicPr>
+            <a:picLocks noChangeAspect="1"/>
+          </p:cNvPicPr>
+          <p:nvPr/>
+        </p:nvPicPr>
+        <p:blipFill>
+          <a:blip r:embed="rId6"/>
+          <a:stretch>
+            <a:fillRect/>
+          </a:stretch>
+        </p:blipFill>
+        <p:spPr>
+          <a:xfrm>
+            <a:off x="7049199" y="1881806"/>
+            <a:ext cx="5836290" cy="497801"/>
+          </a:xfrm>
+          <a:prstGeom prst="rect">
+            <a:avLst/>
+          </a:prstGeom>
+        </p:spPr>
+      </p:pic>
+    </p:spTree>
+    <p:extLst>
+      <p:ext uri="{BB962C8B-B14F-4D97-AF65-F5344CB8AC3E}">
+        <p14:creationId xmlns:p14="http://schemas.microsoft.com/office/powerpoint/2010/main" val="898452033"/>
       </p:ext>
     </p:extLst>
   </p:cSld>
